--- a/Операторы изменения данных.pptx
+++ b/Операторы изменения данных.pptx
@@ -5,7 +5,7 @@
     <p:sldMasterId id="2147483662" r:id="rId1"/>
   </p:sldMasterIdLst>
   <p:notesMasterIdLst>
-    <p:notesMasterId r:id="rId31"/>
+    <p:notesMasterId r:id="rId32"/>
   </p:notesMasterIdLst>
   <p:sldIdLst>
     <p:sldId id="256" r:id="rId2"/>
@@ -16,44 +16,45 @@
     <p:sldId id="291" r:id="rId7"/>
     <p:sldId id="292" r:id="rId8"/>
     <p:sldId id="296" r:id="rId9"/>
-    <p:sldId id="294" r:id="rId10"/>
-    <p:sldId id="295" r:id="rId11"/>
-    <p:sldId id="297" r:id="rId12"/>
-    <p:sldId id="298" r:id="rId13"/>
-    <p:sldId id="306" r:id="rId14"/>
-    <p:sldId id="305" r:id="rId15"/>
-    <p:sldId id="308" r:id="rId16"/>
-    <p:sldId id="293" r:id="rId17"/>
-    <p:sldId id="310" r:id="rId18"/>
-    <p:sldId id="309" r:id="rId19"/>
-    <p:sldId id="311" r:id="rId20"/>
-    <p:sldId id="299" r:id="rId21"/>
-    <p:sldId id="300" r:id="rId22"/>
-    <p:sldId id="312" r:id="rId23"/>
-    <p:sldId id="301" r:id="rId24"/>
-    <p:sldId id="302" r:id="rId25"/>
-    <p:sldId id="303" r:id="rId26"/>
-    <p:sldId id="275" r:id="rId27"/>
-    <p:sldId id="283" r:id="rId28"/>
-    <p:sldId id="289" r:id="rId29"/>
-    <p:sldId id="290" r:id="rId30"/>
+    <p:sldId id="313" r:id="rId10"/>
+    <p:sldId id="294" r:id="rId11"/>
+    <p:sldId id="295" r:id="rId12"/>
+    <p:sldId id="297" r:id="rId13"/>
+    <p:sldId id="298" r:id="rId14"/>
+    <p:sldId id="306" r:id="rId15"/>
+    <p:sldId id="305" r:id="rId16"/>
+    <p:sldId id="308" r:id="rId17"/>
+    <p:sldId id="293" r:id="rId18"/>
+    <p:sldId id="310" r:id="rId19"/>
+    <p:sldId id="309" r:id="rId20"/>
+    <p:sldId id="311" r:id="rId21"/>
+    <p:sldId id="299" r:id="rId22"/>
+    <p:sldId id="300" r:id="rId23"/>
+    <p:sldId id="312" r:id="rId24"/>
+    <p:sldId id="301" r:id="rId25"/>
+    <p:sldId id="302" r:id="rId26"/>
+    <p:sldId id="303" r:id="rId27"/>
+    <p:sldId id="275" r:id="rId28"/>
+    <p:sldId id="283" r:id="rId29"/>
+    <p:sldId id="289" r:id="rId30"/>
+    <p:sldId id="290" r:id="rId31"/>
   </p:sldIdLst>
   <p:sldSz cx="9144000" cy="5143500" type="screen16x9"/>
   <p:notesSz cx="6858000" cy="9144000"/>
   <p:embeddedFontLst>
     <p:embeddedFont>
-      <p:font typeface="Roboto" pitchFamily="2" charset="0"/>
-      <p:regular r:id="rId32"/>
-      <p:bold r:id="rId33"/>
-      <p:italic r:id="rId34"/>
-      <p:boldItalic r:id="rId35"/>
+      <p:font typeface="Roboto" panose="02000000000000000000" pitchFamily="2" charset="0"/>
+      <p:regular r:id="rId33"/>
+      <p:bold r:id="rId34"/>
+      <p:italic r:id="rId35"/>
+      <p:boldItalic r:id="rId36"/>
     </p:embeddedFont>
     <p:embeddedFont>
       <p:font typeface="Segoe UI" panose="020B0502040204020203" pitchFamily="34" charset="0"/>
-      <p:regular r:id="rId36"/>
-      <p:bold r:id="rId37"/>
-      <p:italic r:id="rId38"/>
-      <p:boldItalic r:id="rId39"/>
+      <p:regular r:id="rId37"/>
+      <p:bold r:id="rId38"/>
+      <p:italic r:id="rId39"/>
+      <p:boldItalic r:id="rId40"/>
     </p:embeddedFont>
   </p:embeddedFontLst>
   <p:defaultTextStyle>
@@ -6608,7 +6609,7 @@
         <p:spPr>
           <a:xfrm>
             <a:off x="415158" y="1232564"/>
-            <a:ext cx="7551683" cy="458074"/>
+            <a:ext cx="7551683" cy="1704569"/>
           </a:xfrm>
           <a:prstGeom prst="rect">
             <a:avLst/>
@@ -6636,7 +6637,94 @@
                 <a:ea typeface="Calibri" panose="020F0502020204030204" pitchFamily="34" charset="0"/>
                 <a:cs typeface="Times New Roman" panose="02020603050405020304" pitchFamily="18" charset="0"/>
               </a:rPr>
-              <a:t>Копирование только некоторых столбцов из одной таблицы в другую:</a:t>
+              <a:t>Инструкция INSERT INTO SELECT копирует данные из одной таблицы и вставляет их в другую таблицу</a:t>
+            </a:r>
+            <a:r>
+              <a:rPr lang="en-US" sz="1800" dirty="0">
+                <a:solidFill>
+                  <a:schemeClr val="bg1"/>
+                </a:solidFill>
+                <a:effectLst/>
+                <a:latin typeface="Times New Roman" panose="02020603050405020304" pitchFamily="18" charset="0"/>
+                <a:ea typeface="Calibri" panose="020F0502020204030204" pitchFamily="34" charset="0"/>
+                <a:cs typeface="Times New Roman" panose="02020603050405020304" pitchFamily="18" charset="0"/>
+              </a:rPr>
+              <a:t> (</a:t>
+            </a:r>
+            <a:r>
+              <a:rPr lang="ru-RU" sz="1800" dirty="0">
+                <a:solidFill>
+                  <a:schemeClr val="bg1"/>
+                </a:solidFill>
+                <a:effectLst/>
+                <a:latin typeface="Times New Roman" panose="02020603050405020304" pitchFamily="18" charset="0"/>
+                <a:ea typeface="Calibri" panose="020F0502020204030204" pitchFamily="34" charset="0"/>
+                <a:cs typeface="Times New Roman" panose="02020603050405020304" pitchFamily="18" charset="0"/>
+              </a:rPr>
+              <a:t>типы данных в исходной и целевой таблицах совпада</a:t>
+            </a:r>
+            <a:r>
+              <a:rPr lang="ru-RU" sz="1800" dirty="0">
+                <a:solidFill>
+                  <a:schemeClr val="bg1"/>
+                </a:solidFill>
+                <a:latin typeface="Times New Roman" panose="02020603050405020304" pitchFamily="18" charset="0"/>
+                <a:ea typeface="Calibri" panose="020F0502020204030204" pitchFamily="34" charset="0"/>
+                <a:cs typeface="Times New Roman" panose="02020603050405020304" pitchFamily="18" charset="0"/>
+              </a:rPr>
+              <a:t>ют</a:t>
+            </a:r>
+            <a:r>
+              <a:rPr lang="en-US" sz="1800" dirty="0">
+                <a:solidFill>
+                  <a:schemeClr val="bg1"/>
+                </a:solidFill>
+                <a:effectLst/>
+                <a:latin typeface="Times New Roman" panose="02020603050405020304" pitchFamily="18" charset="0"/>
+                <a:ea typeface="Calibri" panose="020F0502020204030204" pitchFamily="34" charset="0"/>
+                <a:cs typeface="Times New Roman" panose="02020603050405020304" pitchFamily="18" charset="0"/>
+              </a:rPr>
+              <a:t>)</a:t>
+            </a:r>
+            <a:r>
+              <a:rPr lang="ru-RU" sz="1800" dirty="0">
+                <a:solidFill>
+                  <a:schemeClr val="bg1"/>
+                </a:solidFill>
+                <a:effectLst/>
+                <a:latin typeface="Times New Roman" panose="02020603050405020304" pitchFamily="18" charset="0"/>
+                <a:ea typeface="Calibri" panose="020F0502020204030204" pitchFamily="34" charset="0"/>
+                <a:cs typeface="Times New Roman" panose="02020603050405020304" pitchFamily="18" charset="0"/>
+              </a:rPr>
+              <a:t>.</a:t>
+            </a:r>
+            <a:endParaRPr lang="en-US" sz="1800" dirty="0">
+              <a:solidFill>
+                <a:schemeClr val="bg1"/>
+              </a:solidFill>
+              <a:effectLst/>
+              <a:latin typeface="Times New Roman" panose="02020603050405020304" pitchFamily="18" charset="0"/>
+              <a:ea typeface="Calibri" panose="020F0502020204030204" pitchFamily="34" charset="0"/>
+              <a:cs typeface="Times New Roman" panose="02020603050405020304" pitchFamily="18" charset="0"/>
+            </a:endParaRPr>
+          </a:p>
+          <a:p>
+            <a:pPr indent="269875" algn="just">
+              <a:lnSpc>
+                <a:spcPct val="150000"/>
+              </a:lnSpc>
+            </a:pPr>
+            <a:r>
+              <a:rPr lang="ru-RU" sz="1800" dirty="0">
+                <a:solidFill>
+                  <a:schemeClr val="bg1"/>
+                </a:solidFill>
+                <a:effectLst/>
+                <a:latin typeface="Times New Roman" panose="02020603050405020304" pitchFamily="18" charset="0"/>
+                <a:ea typeface="Calibri" panose="020F0502020204030204" pitchFamily="34" charset="0"/>
+                <a:cs typeface="Times New Roman" panose="02020603050405020304" pitchFamily="18" charset="0"/>
+              </a:rPr>
+              <a:t>Копирование всех столбцов из одной таблицы в другую:</a:t>
             </a:r>
           </a:p>
         </p:txBody>
@@ -6655,8 +6743,8 @@
         </p:nvSpPr>
         <p:spPr>
           <a:xfrm>
-            <a:off x="616164" y="2030119"/>
-            <a:ext cx="7991808" cy="1323439"/>
+            <a:off x="500550" y="3238808"/>
+            <a:ext cx="4766440" cy="1200329"/>
           </a:xfrm>
           <a:prstGeom prst="rect">
             <a:avLst/>
@@ -6670,7 +6758,7 @@
           <a:lstStyle/>
           <a:p>
             <a:r>
-              <a:rPr lang="en-US" sz="2000" b="0" i="0" dirty="0">
+              <a:rPr lang="en-US" sz="2400" b="0" i="0" dirty="0">
                 <a:solidFill>
                   <a:schemeClr val="bg1"/>
                 </a:solidFill>
@@ -6678,60 +6766,10 @@
                 <a:latin typeface="Courier New" panose="02070309020205020404" pitchFamily="49" charset="0"/>
                 <a:cs typeface="Courier New" panose="02070309020205020404" pitchFamily="49" charset="0"/>
               </a:rPr>
-              <a:t>INSERT INTO table2 (</a:t>
-            </a:r>
-            <a:r>
-              <a:rPr lang="en-US" sz="2000" dirty="0">
-                <a:solidFill>
-                  <a:schemeClr val="bg1"/>
-                </a:solidFill>
-                <a:latin typeface="Courier New" panose="02070309020205020404" pitchFamily="49" charset="0"/>
-                <a:cs typeface="Courier New" panose="02070309020205020404" pitchFamily="49" charset="0"/>
-              </a:rPr>
-              <a:t>Field1, ...,</a:t>
-            </a:r>
-            <a:r>
-              <a:rPr lang="ru-RU" sz="2000" dirty="0">
-                <a:solidFill>
-                  <a:schemeClr val="bg1"/>
-                </a:solidFill>
-                <a:latin typeface="Courier New" panose="02070309020205020404" pitchFamily="49" charset="0"/>
-                <a:cs typeface="Courier New" panose="02070309020205020404" pitchFamily="49" charset="0"/>
-              </a:rPr>
-              <a:t> </a:t>
-            </a:r>
-            <a:r>
-              <a:rPr lang="en-US" sz="2000" dirty="0" err="1">
-                <a:solidFill>
-                  <a:schemeClr val="bg1"/>
-                </a:solidFill>
-                <a:latin typeface="Courier New" panose="02070309020205020404" pitchFamily="49" charset="0"/>
-                <a:cs typeface="Courier New" panose="02070309020205020404" pitchFamily="49" charset="0"/>
-              </a:rPr>
-              <a:t>FieldN</a:t>
-            </a:r>
-            <a:r>
-              <a:rPr lang="en-US" sz="2000" dirty="0">
-                <a:solidFill>
-                  <a:schemeClr val="bg1"/>
-                </a:solidFill>
-                <a:latin typeface="Courier New" panose="02070309020205020404" pitchFamily="49" charset="0"/>
-                <a:cs typeface="Courier New" panose="02070309020205020404" pitchFamily="49" charset="0"/>
-              </a:rPr>
-              <a:t>)</a:t>
-            </a:r>
-            <a:endParaRPr lang="en-US" sz="2000" b="0" i="0" dirty="0">
-              <a:solidFill>
-                <a:schemeClr val="bg1"/>
-              </a:solidFill>
-              <a:effectLst/>
-              <a:latin typeface="Courier New" panose="02070309020205020404" pitchFamily="49" charset="0"/>
-              <a:cs typeface="Courier New" panose="02070309020205020404" pitchFamily="49" charset="0"/>
-            </a:endParaRPr>
-          </a:p>
-          <a:p>
-            <a:r>
-              <a:rPr lang="en-US" sz="2000" b="0" i="0" dirty="0">
+              <a:t>INSERT INTO </a:t>
+            </a:r>
+            <a:r>
+              <a:rPr lang="en-US" sz="2400" b="0" i="1" dirty="0">
                 <a:solidFill>
                   <a:schemeClr val="bg1"/>
                 </a:solidFill>
@@ -6739,49 +6777,83 @@
                 <a:latin typeface="Courier New" panose="02070309020205020404" pitchFamily="49" charset="0"/>
                 <a:cs typeface="Courier New" panose="02070309020205020404" pitchFamily="49" charset="0"/>
               </a:rPr>
-              <a:t>SELECT </a:t>
-            </a:r>
-            <a:r>
-              <a:rPr lang="en-US" sz="2000" dirty="0">
+              <a:t>table2</a:t>
+            </a:r>
+            <a:br>
+              <a:rPr lang="en-US" sz="2400" dirty="0">
                 <a:solidFill>
                   <a:schemeClr val="bg1"/>
                 </a:solidFill>
                 <a:latin typeface="Courier New" panose="02070309020205020404" pitchFamily="49" charset="0"/>
                 <a:cs typeface="Courier New" panose="02070309020205020404" pitchFamily="49" charset="0"/>
               </a:rPr>
-              <a:t>Field1, ...,</a:t>
-            </a:r>
-            <a:r>
-              <a:rPr lang="ru-RU" sz="2000" dirty="0">
-                <a:solidFill>
-                  <a:schemeClr val="bg1"/>
-                </a:solidFill>
+            </a:br>
+            <a:r>
+              <a:rPr lang="en-US" sz="2400" b="0" i="0" dirty="0">
+                <a:solidFill>
+                  <a:schemeClr val="bg1"/>
+                </a:solidFill>
+                <a:effectLst/>
                 <a:latin typeface="Courier New" panose="02070309020205020404" pitchFamily="49" charset="0"/>
                 <a:cs typeface="Courier New" panose="02070309020205020404" pitchFamily="49" charset="0"/>
               </a:rPr>
-              <a:t> </a:t>
-            </a:r>
-            <a:r>
-              <a:rPr lang="en-US" sz="2000" dirty="0" err="1">
-                <a:solidFill>
-                  <a:schemeClr val="bg1"/>
-                </a:solidFill>
+              <a:t>SELECT * FROM </a:t>
+            </a:r>
+            <a:r>
+              <a:rPr lang="en-US" sz="2400" b="0" i="1" dirty="0">
+                <a:solidFill>
+                  <a:schemeClr val="bg1"/>
+                </a:solidFill>
+                <a:effectLst/>
                 <a:latin typeface="Courier New" panose="02070309020205020404" pitchFamily="49" charset="0"/>
                 <a:cs typeface="Courier New" panose="02070309020205020404" pitchFamily="49" charset="0"/>
               </a:rPr>
-              <a:t>FieldN</a:t>
-            </a:r>
-            <a:r>
-              <a:rPr lang="en-US" sz="2000" dirty="0">
-                <a:solidFill>
-                  <a:schemeClr val="bg1"/>
-                </a:solidFill>
+              <a:t>table1</a:t>
+            </a:r>
+            <a:br>
+              <a:rPr lang="en-US" sz="2400" b="0" i="1" dirty="0">
+                <a:solidFill>
+                  <a:schemeClr val="bg1"/>
+                </a:solidFill>
+                <a:effectLst/>
                 <a:latin typeface="Courier New" panose="02070309020205020404" pitchFamily="49" charset="0"/>
                 <a:cs typeface="Courier New" panose="02070309020205020404" pitchFamily="49" charset="0"/>
               </a:rPr>
-              <a:t> </a:t>
-            </a:r>
-            <a:endParaRPr lang="ru-RU" sz="2000" dirty="0">
+            </a:br>
+            <a:r>
+              <a:rPr lang="en-US" sz="2400" b="0" i="0" dirty="0">
+                <a:solidFill>
+                  <a:schemeClr val="bg1"/>
+                </a:solidFill>
+                <a:effectLst/>
+                <a:latin typeface="Courier New" panose="02070309020205020404" pitchFamily="49" charset="0"/>
+                <a:cs typeface="Courier New" panose="02070309020205020404" pitchFamily="49" charset="0"/>
+              </a:rPr>
+              <a:t>WHERE </a:t>
+            </a:r>
+            <a:r>
+              <a:rPr lang="en-US" sz="2400" b="0" i="1" dirty="0">
+                <a:solidFill>
+                  <a:schemeClr val="bg1"/>
+                </a:solidFill>
+                <a:effectLst/>
+                <a:latin typeface="Courier New" panose="02070309020205020404" pitchFamily="49" charset="0"/>
+                <a:cs typeface="Courier New" panose="02070309020205020404" pitchFamily="49" charset="0"/>
+              </a:rPr>
+              <a:t>condition</a:t>
+            </a:r>
+            <a:r>
+              <a:rPr lang="en-US" sz="2400" b="0" i="0" dirty="0">
+                <a:solidFill>
+                  <a:schemeClr val="bg1"/>
+                </a:solidFill>
+                <a:effectLst/>
+                <a:latin typeface="Courier New" panose="02070309020205020404" pitchFamily="49" charset="0"/>
+                <a:cs typeface="Courier New" panose="02070309020205020404" pitchFamily="49" charset="0"/>
+              </a:rPr>
+              <a:t>;</a:t>
+            </a:r>
+            <a:endParaRPr lang="en-US" sz="2400" dirty="0">
               <a:solidFill>
                 <a:schemeClr val="bg1"/>
               </a:solidFill>
@@ -6789,45 +6861,12 @@
               <a:cs typeface="Courier New" panose="02070309020205020404" pitchFamily="49" charset="0"/>
             </a:endParaRPr>
           </a:p>
-          <a:p>
-            <a:r>
-              <a:rPr lang="en-US" sz="2000" b="0" i="0" dirty="0">
-                <a:solidFill>
-                  <a:schemeClr val="bg1"/>
-                </a:solidFill>
-                <a:effectLst/>
-                <a:latin typeface="Courier New" panose="02070309020205020404" pitchFamily="49" charset="0"/>
-                <a:cs typeface="Courier New" panose="02070309020205020404" pitchFamily="49" charset="0"/>
-              </a:rPr>
-              <a:t>FROM table1</a:t>
-            </a:r>
-          </a:p>
-          <a:p>
-            <a:r>
-              <a:rPr lang="en-US" sz="2000" b="0" i="0" dirty="0">
-                <a:solidFill>
-                  <a:schemeClr val="bg1"/>
-                </a:solidFill>
-                <a:effectLst/>
-                <a:latin typeface="Courier New" panose="02070309020205020404" pitchFamily="49" charset="0"/>
-                <a:cs typeface="Courier New" panose="02070309020205020404" pitchFamily="49" charset="0"/>
-              </a:rPr>
-              <a:t>WHERE condition;</a:t>
-            </a:r>
-            <a:endParaRPr lang="en-US" sz="2000" dirty="0">
-              <a:solidFill>
-                <a:schemeClr val="bg1"/>
-              </a:solidFill>
-              <a:latin typeface="Courier New" panose="02070309020205020404" pitchFamily="49" charset="0"/>
-              <a:cs typeface="Courier New" panose="02070309020205020404" pitchFamily="49" charset="0"/>
-            </a:endParaRPr>
-          </a:p>
         </p:txBody>
       </p:sp>
     </p:spTree>
     <p:extLst>
       <p:ext uri="{BB962C8B-B14F-4D97-AF65-F5344CB8AC3E}">
-        <p14:creationId xmlns:p14="http://schemas.microsoft.com/office/powerpoint/2010/main" val="3018318741"/>
+        <p14:creationId xmlns:p14="http://schemas.microsoft.com/office/powerpoint/2010/main" val="175812508"/>
       </p:ext>
     </p:extLst>
   </p:cSld>
@@ -6879,6 +6918,295 @@
               <a:rPr lang="ru-RU" dirty="0"/>
               <a:t>Добавление данных</a:t>
             </a:r>
+          </a:p>
+        </p:txBody>
+      </p:sp>
+      <p:sp>
+        <p:nvSpPr>
+          <p:cNvPr id="4" name="TextBox 3">
+            <a:extLst>
+              <a:ext uri="{FF2B5EF4-FFF2-40B4-BE49-F238E27FC236}">
+                <a16:creationId xmlns:a16="http://schemas.microsoft.com/office/drawing/2014/main" id="{70CA2F63-123E-8E29-5BA0-3A170927C730}"/>
+              </a:ext>
+            </a:extLst>
+          </p:cNvPr>
+          <p:cNvSpPr txBox="1"/>
+          <p:nvPr/>
+        </p:nvSpPr>
+        <p:spPr>
+          <a:xfrm>
+            <a:off x="415158" y="1232564"/>
+            <a:ext cx="7551683" cy="458074"/>
+          </a:xfrm>
+          <a:prstGeom prst="rect">
+            <a:avLst/>
+          </a:prstGeom>
+          <a:noFill/>
+        </p:spPr>
+        <p:txBody>
+          <a:bodyPr wrap="square">
+            <a:spAutoFit/>
+          </a:bodyPr>
+          <a:lstStyle/>
+          <a:p>
+            <a:pPr indent="269875" algn="just">
+              <a:lnSpc>
+                <a:spcPct val="150000"/>
+              </a:lnSpc>
+            </a:pPr>
+            <a:r>
+              <a:rPr lang="ru-RU" sz="1800" dirty="0">
+                <a:solidFill>
+                  <a:schemeClr val="bg1"/>
+                </a:solidFill>
+                <a:effectLst/>
+                <a:latin typeface="Times New Roman" panose="02020603050405020304" pitchFamily="18" charset="0"/>
+                <a:ea typeface="Calibri" panose="020F0502020204030204" pitchFamily="34" charset="0"/>
+                <a:cs typeface="Times New Roman" panose="02020603050405020304" pitchFamily="18" charset="0"/>
+              </a:rPr>
+              <a:t>Копирование только некоторых столбцов из одной таблицы в другую:</a:t>
+            </a:r>
+          </a:p>
+        </p:txBody>
+      </p:sp>
+      <p:sp>
+        <p:nvSpPr>
+          <p:cNvPr id="6" name="TextBox 5">
+            <a:extLst>
+              <a:ext uri="{FF2B5EF4-FFF2-40B4-BE49-F238E27FC236}">
+                <a16:creationId xmlns:a16="http://schemas.microsoft.com/office/drawing/2014/main" id="{A12643E9-FB83-0720-3C0C-C96B858DF29F}"/>
+              </a:ext>
+            </a:extLst>
+          </p:cNvPr>
+          <p:cNvSpPr txBox="1"/>
+          <p:nvPr/>
+        </p:nvSpPr>
+        <p:spPr>
+          <a:xfrm>
+            <a:off x="616164" y="2030119"/>
+            <a:ext cx="7991808" cy="1323439"/>
+          </a:xfrm>
+          <a:prstGeom prst="rect">
+            <a:avLst/>
+          </a:prstGeom>
+          <a:noFill/>
+        </p:spPr>
+        <p:txBody>
+          <a:bodyPr wrap="square">
+            <a:spAutoFit/>
+          </a:bodyPr>
+          <a:lstStyle/>
+          <a:p>
+            <a:r>
+              <a:rPr lang="en-US" sz="2000" b="0" i="0" dirty="0">
+                <a:solidFill>
+                  <a:schemeClr val="bg1"/>
+                </a:solidFill>
+                <a:effectLst/>
+                <a:latin typeface="Courier New" panose="02070309020205020404" pitchFamily="49" charset="0"/>
+                <a:cs typeface="Courier New" panose="02070309020205020404" pitchFamily="49" charset="0"/>
+              </a:rPr>
+              <a:t>INSERT INTO table2 (</a:t>
+            </a:r>
+            <a:r>
+              <a:rPr lang="en-US" sz="2000" dirty="0">
+                <a:solidFill>
+                  <a:schemeClr val="bg1"/>
+                </a:solidFill>
+                <a:latin typeface="Courier New" panose="02070309020205020404" pitchFamily="49" charset="0"/>
+                <a:cs typeface="Courier New" panose="02070309020205020404" pitchFamily="49" charset="0"/>
+              </a:rPr>
+              <a:t>Field1, ...,</a:t>
+            </a:r>
+            <a:r>
+              <a:rPr lang="ru-RU" sz="2000" dirty="0">
+                <a:solidFill>
+                  <a:schemeClr val="bg1"/>
+                </a:solidFill>
+                <a:latin typeface="Courier New" panose="02070309020205020404" pitchFamily="49" charset="0"/>
+                <a:cs typeface="Courier New" panose="02070309020205020404" pitchFamily="49" charset="0"/>
+              </a:rPr>
+              <a:t> </a:t>
+            </a:r>
+            <a:r>
+              <a:rPr lang="en-US" sz="2000" dirty="0" err="1">
+                <a:solidFill>
+                  <a:schemeClr val="bg1"/>
+                </a:solidFill>
+                <a:latin typeface="Courier New" panose="02070309020205020404" pitchFamily="49" charset="0"/>
+                <a:cs typeface="Courier New" panose="02070309020205020404" pitchFamily="49" charset="0"/>
+              </a:rPr>
+              <a:t>FieldN</a:t>
+            </a:r>
+            <a:r>
+              <a:rPr lang="en-US" sz="2000" dirty="0">
+                <a:solidFill>
+                  <a:schemeClr val="bg1"/>
+                </a:solidFill>
+                <a:latin typeface="Courier New" panose="02070309020205020404" pitchFamily="49" charset="0"/>
+                <a:cs typeface="Courier New" panose="02070309020205020404" pitchFamily="49" charset="0"/>
+              </a:rPr>
+              <a:t>)</a:t>
+            </a:r>
+            <a:endParaRPr lang="en-US" sz="2000" b="0" i="0" dirty="0">
+              <a:solidFill>
+                <a:schemeClr val="bg1"/>
+              </a:solidFill>
+              <a:effectLst/>
+              <a:latin typeface="Courier New" panose="02070309020205020404" pitchFamily="49" charset="0"/>
+              <a:cs typeface="Courier New" panose="02070309020205020404" pitchFamily="49" charset="0"/>
+            </a:endParaRPr>
+          </a:p>
+          <a:p>
+            <a:r>
+              <a:rPr lang="en-US" sz="2000" b="0" i="0" dirty="0">
+                <a:solidFill>
+                  <a:schemeClr val="bg1"/>
+                </a:solidFill>
+                <a:effectLst/>
+                <a:latin typeface="Courier New" panose="02070309020205020404" pitchFamily="49" charset="0"/>
+                <a:cs typeface="Courier New" panose="02070309020205020404" pitchFamily="49" charset="0"/>
+              </a:rPr>
+              <a:t>SELECT </a:t>
+            </a:r>
+            <a:r>
+              <a:rPr lang="en-US" sz="2000" dirty="0">
+                <a:solidFill>
+                  <a:schemeClr val="bg1"/>
+                </a:solidFill>
+                <a:latin typeface="Courier New" panose="02070309020205020404" pitchFamily="49" charset="0"/>
+                <a:cs typeface="Courier New" panose="02070309020205020404" pitchFamily="49" charset="0"/>
+              </a:rPr>
+              <a:t>Field1, ...,</a:t>
+            </a:r>
+            <a:r>
+              <a:rPr lang="ru-RU" sz="2000" dirty="0">
+                <a:solidFill>
+                  <a:schemeClr val="bg1"/>
+                </a:solidFill>
+                <a:latin typeface="Courier New" panose="02070309020205020404" pitchFamily="49" charset="0"/>
+                <a:cs typeface="Courier New" panose="02070309020205020404" pitchFamily="49" charset="0"/>
+              </a:rPr>
+              <a:t> </a:t>
+            </a:r>
+            <a:r>
+              <a:rPr lang="en-US" sz="2000" dirty="0" err="1">
+                <a:solidFill>
+                  <a:schemeClr val="bg1"/>
+                </a:solidFill>
+                <a:latin typeface="Courier New" panose="02070309020205020404" pitchFamily="49" charset="0"/>
+                <a:cs typeface="Courier New" panose="02070309020205020404" pitchFamily="49" charset="0"/>
+              </a:rPr>
+              <a:t>FieldN</a:t>
+            </a:r>
+            <a:r>
+              <a:rPr lang="en-US" sz="2000" dirty="0">
+                <a:solidFill>
+                  <a:schemeClr val="bg1"/>
+                </a:solidFill>
+                <a:latin typeface="Courier New" panose="02070309020205020404" pitchFamily="49" charset="0"/>
+                <a:cs typeface="Courier New" panose="02070309020205020404" pitchFamily="49" charset="0"/>
+              </a:rPr>
+              <a:t> </a:t>
+            </a:r>
+            <a:endParaRPr lang="ru-RU" sz="2000" dirty="0">
+              <a:solidFill>
+                <a:schemeClr val="bg1"/>
+              </a:solidFill>
+              <a:latin typeface="Courier New" panose="02070309020205020404" pitchFamily="49" charset="0"/>
+              <a:cs typeface="Courier New" panose="02070309020205020404" pitchFamily="49" charset="0"/>
+            </a:endParaRPr>
+          </a:p>
+          <a:p>
+            <a:r>
+              <a:rPr lang="en-US" sz="2000" b="0" i="0" dirty="0">
+                <a:solidFill>
+                  <a:schemeClr val="bg1"/>
+                </a:solidFill>
+                <a:effectLst/>
+                <a:latin typeface="Courier New" panose="02070309020205020404" pitchFamily="49" charset="0"/>
+                <a:cs typeface="Courier New" panose="02070309020205020404" pitchFamily="49" charset="0"/>
+              </a:rPr>
+              <a:t>FROM table1</a:t>
+            </a:r>
+          </a:p>
+          <a:p>
+            <a:r>
+              <a:rPr lang="en-US" sz="2000" b="0" i="0" dirty="0">
+                <a:solidFill>
+                  <a:schemeClr val="bg1"/>
+                </a:solidFill>
+                <a:effectLst/>
+                <a:latin typeface="Courier New" panose="02070309020205020404" pitchFamily="49" charset="0"/>
+                <a:cs typeface="Courier New" panose="02070309020205020404" pitchFamily="49" charset="0"/>
+              </a:rPr>
+              <a:t>WHERE condition;</a:t>
+            </a:r>
+            <a:endParaRPr lang="en-US" sz="2000" dirty="0">
+              <a:solidFill>
+                <a:schemeClr val="bg1"/>
+              </a:solidFill>
+              <a:latin typeface="Courier New" panose="02070309020205020404" pitchFamily="49" charset="0"/>
+              <a:cs typeface="Courier New" panose="02070309020205020404" pitchFamily="49" charset="0"/>
+            </a:endParaRPr>
+          </a:p>
+        </p:txBody>
+      </p:sp>
+    </p:spTree>
+    <p:extLst>
+      <p:ext uri="{BB962C8B-B14F-4D97-AF65-F5344CB8AC3E}">
+        <p14:creationId xmlns:p14="http://schemas.microsoft.com/office/powerpoint/2010/main" val="3018318741"/>
+      </p:ext>
+    </p:extLst>
+  </p:cSld>
+  <p:clrMapOvr>
+    <a:masterClrMapping/>
+  </p:clrMapOvr>
+</p:sld>
+</file>
+
+<file path=ppt/slides/slide12.xml><?xml version="1.0" encoding="utf-8"?>
+<p:sld xmlns:a="http://schemas.openxmlformats.org/drawingml/2006/main" xmlns:r="http://schemas.openxmlformats.org/officeDocument/2006/relationships" xmlns:p="http://schemas.openxmlformats.org/presentationml/2006/main">
+  <p:cSld>
+    <p:spTree>
+      <p:nvGrpSpPr>
+        <p:cNvPr id="1" name=""/>
+        <p:cNvGrpSpPr/>
+        <p:nvPr/>
+      </p:nvGrpSpPr>
+      <p:grpSpPr>
+        <a:xfrm>
+          <a:off x="0" y="0"/>
+          <a:ext cx="0" cy="0"/>
+          <a:chOff x="0" y="0"/>
+          <a:chExt cx="0" cy="0"/>
+        </a:xfrm>
+      </p:grpSpPr>
+      <p:sp>
+        <p:nvSpPr>
+          <p:cNvPr id="2" name="Заголовок 1">
+            <a:extLst>
+              <a:ext uri="{FF2B5EF4-FFF2-40B4-BE49-F238E27FC236}">
+                <a16:creationId xmlns:a16="http://schemas.microsoft.com/office/drawing/2014/main" id="{2E82D768-F30E-93CD-7CC3-ABA6C4F3C0EC}"/>
+              </a:ext>
+            </a:extLst>
+          </p:cNvPr>
+          <p:cNvSpPr>
+            <a:spLocks noGrp="1"/>
+          </p:cNvSpPr>
+          <p:nvPr>
+            <p:ph type="title"/>
+          </p:nvPr>
+        </p:nvSpPr>
+        <p:spPr/>
+        <p:txBody>
+          <a:bodyPr/>
+          <a:lstStyle/>
+          <a:p>
+            <a:r>
+              <a:rPr lang="ru-RU" dirty="0"/>
+              <a:t>Добавление данных</a:t>
+            </a:r>
             <a:r>
               <a:rPr lang="en-US" dirty="0"/>
               <a:t> LIVE</a:t>
@@ -7008,7 +7336,7 @@
 </p:sld>
 </file>
 
-<file path=ppt/slides/slide12.xml><?xml version="1.0" encoding="utf-8"?>
+<file path=ppt/slides/slide13.xml><?xml version="1.0" encoding="utf-8"?>
 <p:sld xmlns:a="http://schemas.openxmlformats.org/drawingml/2006/main" xmlns:r="http://schemas.openxmlformats.org/officeDocument/2006/relationships" xmlns:p="http://schemas.openxmlformats.org/presentationml/2006/main">
   <p:cSld>
     <p:spTree>
@@ -7153,7 +7481,7 @@
 </p:sld>
 </file>
 
-<file path=ppt/slides/slide13.xml><?xml version="1.0" encoding="utf-8"?>
+<file path=ppt/slides/slide14.xml><?xml version="1.0" encoding="utf-8"?>
 <p:sld xmlns:a="http://schemas.openxmlformats.org/drawingml/2006/main" xmlns:r="http://schemas.openxmlformats.org/officeDocument/2006/relationships" xmlns:p="http://schemas.openxmlformats.org/presentationml/2006/main">
   <p:cSld>
     <p:spTree>
@@ -7282,7 +7610,7 @@
 </p:sld>
 </file>
 
-<file path=ppt/slides/slide14.xml><?xml version="1.0" encoding="utf-8"?>
+<file path=ppt/slides/slide15.xml><?xml version="1.0" encoding="utf-8"?>
 <p:sld xmlns:a="http://schemas.openxmlformats.org/drawingml/2006/main" xmlns:r="http://schemas.openxmlformats.org/officeDocument/2006/relationships" xmlns:p="http://schemas.openxmlformats.org/presentationml/2006/main">
   <p:cSld>
     <p:spTree>
@@ -7465,7 +7793,7 @@
 </p:sld>
 </file>
 
-<file path=ppt/slides/slide15.xml><?xml version="1.0" encoding="utf-8"?>
+<file path=ppt/slides/slide16.xml><?xml version="1.0" encoding="utf-8"?>
 <p:sld xmlns:a="http://schemas.openxmlformats.org/drawingml/2006/main" xmlns:r="http://schemas.openxmlformats.org/officeDocument/2006/relationships" xmlns:p="http://schemas.openxmlformats.org/presentationml/2006/main">
   <p:cSld>
     <p:spTree>
@@ -7596,177 +7924,6 @@
     <p:extLst>
       <p:ext uri="{BB962C8B-B14F-4D97-AF65-F5344CB8AC3E}">
         <p14:creationId xmlns:p14="http://schemas.microsoft.com/office/powerpoint/2010/main" val="2178713384"/>
-      </p:ext>
-    </p:extLst>
-  </p:cSld>
-  <p:clrMapOvr>
-    <a:masterClrMapping/>
-  </p:clrMapOvr>
-</p:sld>
-</file>
-
-<file path=ppt/slides/slide16.xml><?xml version="1.0" encoding="utf-8"?>
-<p:sld xmlns:a="http://schemas.openxmlformats.org/drawingml/2006/main" xmlns:r="http://schemas.openxmlformats.org/officeDocument/2006/relationships" xmlns:p="http://schemas.openxmlformats.org/presentationml/2006/main">
-  <p:cSld>
-    <p:spTree>
-      <p:nvGrpSpPr>
-        <p:cNvPr id="1" name=""/>
-        <p:cNvGrpSpPr/>
-        <p:nvPr/>
-      </p:nvGrpSpPr>
-      <p:grpSpPr>
-        <a:xfrm>
-          <a:off x="0" y="0"/>
-          <a:ext cx="0" cy="0"/>
-          <a:chOff x="0" y="0"/>
-          <a:chExt cx="0" cy="0"/>
-        </a:xfrm>
-      </p:grpSpPr>
-      <p:sp>
-        <p:nvSpPr>
-          <p:cNvPr id="2" name="Заголовок 1">
-            <a:extLst>
-              <a:ext uri="{FF2B5EF4-FFF2-40B4-BE49-F238E27FC236}">
-                <a16:creationId xmlns:a16="http://schemas.microsoft.com/office/drawing/2014/main" id="{5E570BF0-5D45-2938-A4E5-BDFA486E90CB}"/>
-              </a:ext>
-            </a:extLst>
-          </p:cNvPr>
-          <p:cNvSpPr>
-            <a:spLocks noGrp="1"/>
-          </p:cNvSpPr>
-          <p:nvPr>
-            <p:ph type="title"/>
-          </p:nvPr>
-        </p:nvSpPr>
-        <p:spPr/>
-        <p:txBody>
-          <a:bodyPr/>
-          <a:lstStyle/>
-          <a:p>
-            <a:r>
-              <a:rPr lang="ru-RU" dirty="0"/>
-              <a:t>Редактирование данных</a:t>
-            </a:r>
-          </a:p>
-        </p:txBody>
-      </p:sp>
-      <p:sp>
-        <p:nvSpPr>
-          <p:cNvPr id="3" name="TextBox 2">
-            <a:extLst>
-              <a:ext uri="{FF2B5EF4-FFF2-40B4-BE49-F238E27FC236}">
-                <a16:creationId xmlns:a16="http://schemas.microsoft.com/office/drawing/2014/main" id="{E3AF182B-1C0F-6A6A-2E20-0974BA2DF4C9}"/>
-              </a:ext>
-            </a:extLst>
-          </p:cNvPr>
-          <p:cNvSpPr txBox="1"/>
-          <p:nvPr/>
-        </p:nvSpPr>
-        <p:spPr>
-          <a:xfrm>
-            <a:off x="500550" y="1262864"/>
-            <a:ext cx="7991808" cy="1015663"/>
-          </a:xfrm>
-          <a:prstGeom prst="rect">
-            <a:avLst/>
-          </a:prstGeom>
-          <a:noFill/>
-        </p:spPr>
-        <p:txBody>
-          <a:bodyPr wrap="square">
-            <a:spAutoFit/>
-          </a:bodyPr>
-          <a:lstStyle/>
-          <a:p>
-            <a:r>
-              <a:rPr lang="en-US" sz="2000" b="0" i="0" dirty="0">
-                <a:solidFill>
-                  <a:schemeClr val="bg1"/>
-                </a:solidFill>
-                <a:effectLst/>
-                <a:latin typeface="Courier New" panose="02070309020205020404" pitchFamily="49" charset="0"/>
-                <a:cs typeface="Courier New" panose="02070309020205020404" pitchFamily="49" charset="0"/>
-              </a:rPr>
-              <a:t>UPDATE </a:t>
-            </a:r>
-            <a:r>
-              <a:rPr lang="en-US" sz="2000" dirty="0" err="1">
-                <a:solidFill>
-                  <a:schemeClr val="bg1"/>
-                </a:solidFill>
-                <a:latin typeface="Courier New" panose="02070309020205020404" pitchFamily="49" charset="0"/>
-                <a:cs typeface="Courier New" panose="02070309020205020404" pitchFamily="49" charset="0"/>
-              </a:rPr>
-              <a:t>TableName</a:t>
-            </a:r>
-            <a:r>
-              <a:rPr lang="en-US" sz="2000" b="0" i="0" dirty="0">
-                <a:solidFill>
-                  <a:schemeClr val="bg1"/>
-                </a:solidFill>
-                <a:effectLst/>
-                <a:latin typeface="Courier New" panose="02070309020205020404" pitchFamily="49" charset="0"/>
-                <a:cs typeface="Courier New" panose="02070309020205020404" pitchFamily="49" charset="0"/>
-              </a:rPr>
-              <a:t> </a:t>
-            </a:r>
-          </a:p>
-          <a:p>
-            <a:r>
-              <a:rPr lang="en-US" sz="2000" b="0" i="0" dirty="0">
-                <a:solidFill>
-                  <a:schemeClr val="bg1"/>
-                </a:solidFill>
-                <a:effectLst/>
-                <a:latin typeface="Courier New" panose="02070309020205020404" pitchFamily="49" charset="0"/>
-                <a:cs typeface="Courier New" panose="02070309020205020404" pitchFamily="49" charset="0"/>
-              </a:rPr>
-              <a:t>SET </a:t>
-            </a:r>
-            <a:r>
-              <a:rPr lang="en-US" sz="2000" dirty="0">
-                <a:solidFill>
-                  <a:schemeClr val="bg1"/>
-                </a:solidFill>
-                <a:latin typeface="Courier New" panose="02070309020205020404" pitchFamily="49" charset="0"/>
-                <a:cs typeface="Courier New" panose="02070309020205020404" pitchFamily="49" charset="0"/>
-              </a:rPr>
-              <a:t>Field1 = value</a:t>
-            </a:r>
-            <a:endParaRPr lang="ru-RU" sz="2000" dirty="0">
-              <a:solidFill>
-                <a:schemeClr val="bg1"/>
-              </a:solidFill>
-              <a:latin typeface="Courier New" panose="02070309020205020404" pitchFamily="49" charset="0"/>
-              <a:cs typeface="Courier New" panose="02070309020205020404" pitchFamily="49" charset="0"/>
-            </a:endParaRPr>
-          </a:p>
-          <a:p>
-            <a:r>
-              <a:rPr lang="en-US" sz="2000" b="0" i="0" dirty="0">
-                <a:solidFill>
-                  <a:schemeClr val="bg1"/>
-                </a:solidFill>
-                <a:effectLst/>
-                <a:latin typeface="Courier New" panose="02070309020205020404" pitchFamily="49" charset="0"/>
-                <a:cs typeface="Courier New" panose="02070309020205020404" pitchFamily="49" charset="0"/>
-              </a:rPr>
-              <a:t>--WHERE condition;</a:t>
-            </a:r>
-            <a:endParaRPr lang="en-US" sz="2000" dirty="0">
-              <a:solidFill>
-                <a:schemeClr val="bg1"/>
-              </a:solidFill>
-              <a:latin typeface="Courier New" panose="02070309020205020404" pitchFamily="49" charset="0"/>
-              <a:cs typeface="Courier New" panose="02070309020205020404" pitchFamily="49" charset="0"/>
-            </a:endParaRPr>
-          </a:p>
-        </p:txBody>
-      </p:sp>
-    </p:spTree>
-    <p:extLst>
-      <p:ext uri="{BB962C8B-B14F-4D97-AF65-F5344CB8AC3E}">
-        <p14:creationId xmlns:p14="http://schemas.microsoft.com/office/powerpoint/2010/main" val="3876493460"/>
       </p:ext>
     </p:extLst>
   </p:cSld>
@@ -7818,20 +7975,15 @@
               <a:rPr lang="ru-RU" dirty="0"/>
               <a:t>Редактирование данных</a:t>
             </a:r>
-            <a:r>
-              <a:rPr lang="en-US" dirty="0"/>
-              <a:t> Live</a:t>
-            </a:r>
-            <a:endParaRPr lang="ru-RU" dirty="0"/>
           </a:p>
         </p:txBody>
       </p:sp>
       <p:sp>
         <p:nvSpPr>
-          <p:cNvPr id="5" name="TextBox 4">
+          <p:cNvPr id="3" name="TextBox 2">
             <a:extLst>
               <a:ext uri="{FF2B5EF4-FFF2-40B4-BE49-F238E27FC236}">
-                <a16:creationId xmlns:a16="http://schemas.microsoft.com/office/drawing/2014/main" id="{99C8A7CE-B173-83E5-CB2E-96BA8DDA17F8}"/>
+                <a16:creationId xmlns:a16="http://schemas.microsoft.com/office/drawing/2014/main" id="{E3AF182B-1C0F-6A6A-2E20-0974BA2DF4C9}"/>
               </a:ext>
             </a:extLst>
           </p:cNvPr>
@@ -7840,8 +7992,8 @@
         </p:nvSpPr>
         <p:spPr>
           <a:xfrm>
-            <a:off x="651642" y="1226569"/>
-            <a:ext cx="7991808" cy="707886"/>
+            <a:off x="500550" y="1262864"/>
+            <a:ext cx="7991808" cy="1015663"/>
           </a:xfrm>
           <a:prstGeom prst="rect">
             <a:avLst/>
@@ -7855,44 +8007,94 @@
           <a:lstStyle/>
           <a:p>
             <a:r>
-              <a:rPr lang="ru-RU" sz="2000" dirty="0">
-                <a:solidFill>
-                  <a:schemeClr val="bg1"/>
-                </a:solidFill>
-                <a:latin typeface="Times New Roman" panose="02020603050405020304" pitchFamily="18" charset="0"/>
-                <a:cs typeface="Times New Roman" panose="02020603050405020304" pitchFamily="18" charset="0"/>
-              </a:rPr>
-              <a:t>Изменим данные в таблице, где…</a:t>
-            </a:r>
-          </a:p>
-          <a:p>
-            <a:r>
-              <a:rPr lang="ru-RU" sz="2000" dirty="0">
-                <a:solidFill>
-                  <a:schemeClr val="bg1"/>
-                </a:solidFill>
-                <a:latin typeface="Times New Roman" panose="02020603050405020304" pitchFamily="18" charset="0"/>
-                <a:cs typeface="Times New Roman" panose="02020603050405020304" pitchFamily="18" charset="0"/>
-              </a:rPr>
-              <a:t>Выведем значения измененных строк, используя </a:t>
+              <a:rPr lang="en-US" sz="2000" b="0" i="0" dirty="0">
+                <a:solidFill>
+                  <a:schemeClr val="bg1"/>
+                </a:solidFill>
+                <a:effectLst/>
+                <a:latin typeface="Courier New" panose="02070309020205020404" pitchFamily="49" charset="0"/>
+                <a:cs typeface="Courier New" panose="02070309020205020404" pitchFamily="49" charset="0"/>
+              </a:rPr>
+              <a:t>UPDATE </a:t>
+            </a:r>
+            <a:r>
+              <a:rPr lang="en-US" sz="2000" dirty="0" err="1">
+                <a:solidFill>
+                  <a:schemeClr val="bg1"/>
+                </a:solidFill>
+                <a:latin typeface="Courier New" panose="02070309020205020404" pitchFamily="49" charset="0"/>
+                <a:cs typeface="Courier New" panose="02070309020205020404" pitchFamily="49" charset="0"/>
+              </a:rPr>
+              <a:t>TableName</a:t>
+            </a:r>
+            <a:r>
+              <a:rPr lang="en-US" sz="2000" b="0" i="0" dirty="0">
+                <a:solidFill>
+                  <a:schemeClr val="bg1"/>
+                </a:solidFill>
+                <a:effectLst/>
+                <a:latin typeface="Courier New" panose="02070309020205020404" pitchFamily="49" charset="0"/>
+                <a:cs typeface="Courier New" panose="02070309020205020404" pitchFamily="49" charset="0"/>
+              </a:rPr>
+              <a:t> </a:t>
+            </a:r>
+          </a:p>
+          <a:p>
+            <a:r>
+              <a:rPr lang="en-US" sz="2000" b="0" i="0" dirty="0">
+                <a:solidFill>
+                  <a:schemeClr val="bg1"/>
+                </a:solidFill>
+                <a:effectLst/>
+                <a:latin typeface="Courier New" panose="02070309020205020404" pitchFamily="49" charset="0"/>
+                <a:cs typeface="Courier New" panose="02070309020205020404" pitchFamily="49" charset="0"/>
+              </a:rPr>
+              <a:t>SET </a:t>
             </a:r>
             <a:r>
               <a:rPr lang="en-US" sz="2000" dirty="0">
                 <a:solidFill>
                   <a:schemeClr val="bg1"/>
                 </a:solidFill>
-                <a:latin typeface="Times New Roman" panose="02020603050405020304" pitchFamily="18" charset="0"/>
-                <a:cs typeface="Times New Roman" panose="02020603050405020304" pitchFamily="18" charset="0"/>
-              </a:rPr>
-              <a:t>OUTPUT</a:t>
-            </a:r>
+                <a:latin typeface="Courier New" panose="02070309020205020404" pitchFamily="49" charset="0"/>
+                <a:cs typeface="Courier New" panose="02070309020205020404" pitchFamily="49" charset="0"/>
+              </a:rPr>
+              <a:t>Field1 = value</a:t>
+            </a:r>
+            <a:endParaRPr lang="ru-RU" sz="2000" dirty="0">
+              <a:solidFill>
+                <a:schemeClr val="bg1"/>
+              </a:solidFill>
+              <a:latin typeface="Courier New" panose="02070309020205020404" pitchFamily="49" charset="0"/>
+              <a:cs typeface="Courier New" panose="02070309020205020404" pitchFamily="49" charset="0"/>
+            </a:endParaRPr>
+          </a:p>
+          <a:p>
+            <a:r>
+              <a:rPr lang="en-US" sz="2000" b="0" i="0" dirty="0">
+                <a:solidFill>
+                  <a:schemeClr val="bg1"/>
+                </a:solidFill>
+                <a:effectLst/>
+                <a:latin typeface="Courier New" panose="02070309020205020404" pitchFamily="49" charset="0"/>
+                <a:cs typeface="Courier New" panose="02070309020205020404" pitchFamily="49" charset="0"/>
+              </a:rPr>
+              <a:t>--WHERE condition;</a:t>
+            </a:r>
+            <a:endParaRPr lang="en-US" sz="2000" dirty="0">
+              <a:solidFill>
+                <a:schemeClr val="bg1"/>
+              </a:solidFill>
+              <a:latin typeface="Courier New" panose="02070309020205020404" pitchFamily="49" charset="0"/>
+              <a:cs typeface="Courier New" panose="02070309020205020404" pitchFamily="49" charset="0"/>
+            </a:endParaRPr>
           </a:p>
         </p:txBody>
       </p:sp>
     </p:spTree>
     <p:extLst>
       <p:ext uri="{BB962C8B-B14F-4D97-AF65-F5344CB8AC3E}">
-        <p14:creationId xmlns:p14="http://schemas.microsoft.com/office/powerpoint/2010/main" val="1317899404"/>
+        <p14:creationId xmlns:p14="http://schemas.microsoft.com/office/powerpoint/2010/main" val="3876493460"/>
       </p:ext>
     </p:extLst>
   </p:cSld>
@@ -7944,15 +8146,20 @@
               <a:rPr lang="ru-RU" dirty="0"/>
               <a:t>Редактирование данных</a:t>
             </a:r>
+            <a:r>
+              <a:rPr lang="en-US" dirty="0"/>
+              <a:t> Live</a:t>
+            </a:r>
+            <a:endParaRPr lang="ru-RU" dirty="0"/>
           </a:p>
         </p:txBody>
       </p:sp>
       <p:sp>
         <p:nvSpPr>
-          <p:cNvPr id="4" name="TextBox 3">
+          <p:cNvPr id="5" name="TextBox 4">
             <a:extLst>
               <a:ext uri="{FF2B5EF4-FFF2-40B4-BE49-F238E27FC236}">
-                <a16:creationId xmlns:a16="http://schemas.microsoft.com/office/drawing/2014/main" id="{4E41F64D-076E-E1C7-9A36-128CADFE367D}"/>
+                <a16:creationId xmlns:a16="http://schemas.microsoft.com/office/drawing/2014/main" id="{99C8A7CE-B173-83E5-CB2E-96BA8DDA17F8}"/>
               </a:ext>
             </a:extLst>
           </p:cNvPr>
@@ -7961,8 +8168,8 @@
         </p:nvSpPr>
         <p:spPr>
           <a:xfrm>
-            <a:off x="500550" y="1087957"/>
-            <a:ext cx="7991808" cy="3170099"/>
+            <a:off x="651642" y="1226569"/>
+            <a:ext cx="7991808" cy="707886"/>
           </a:xfrm>
           <a:prstGeom prst="rect">
             <a:avLst/>
@@ -7976,201 +8183,36 @@
           <a:lstStyle/>
           <a:p>
             <a:r>
-              <a:rPr lang="en-US" sz="2000" b="0" i="0" dirty="0">
-                <a:solidFill>
-                  <a:schemeClr val="bg1"/>
-                </a:solidFill>
-                <a:effectLst/>
-                <a:latin typeface="Courier New" panose="02070309020205020404" pitchFamily="49" charset="0"/>
-                <a:cs typeface="Courier New" panose="02070309020205020404" pitchFamily="49" charset="0"/>
-              </a:rPr>
-              <a:t>UPDATE alias1 </a:t>
-            </a:r>
-          </a:p>
-          <a:p>
+              <a:rPr lang="ru-RU" sz="2000" dirty="0">
+                <a:solidFill>
+                  <a:schemeClr val="bg1"/>
+                </a:solidFill>
+                <a:latin typeface="Times New Roman" panose="02020603050405020304" pitchFamily="18" charset="0"/>
+                <a:cs typeface="Times New Roman" panose="02020603050405020304" pitchFamily="18" charset="0"/>
+              </a:rPr>
+              <a:t>Изменим данные в таблице, где…</a:t>
+            </a:r>
+          </a:p>
+          <a:p>
+            <a:r>
+              <a:rPr lang="ru-RU" sz="2000" dirty="0">
+                <a:solidFill>
+                  <a:schemeClr val="bg1"/>
+                </a:solidFill>
+                <a:latin typeface="Times New Roman" panose="02020603050405020304" pitchFamily="18" charset="0"/>
+                <a:cs typeface="Times New Roman" panose="02020603050405020304" pitchFamily="18" charset="0"/>
+              </a:rPr>
+              <a:t>Выведем значения измененных строк, используя </a:t>
+            </a:r>
             <a:r>
               <a:rPr lang="en-US" sz="2000" dirty="0">
                 <a:solidFill>
                   <a:schemeClr val="bg1"/>
                 </a:solidFill>
-                <a:latin typeface="Courier New" panose="02070309020205020404" pitchFamily="49" charset="0"/>
-                <a:cs typeface="Courier New" panose="02070309020205020404" pitchFamily="49" charset="0"/>
-              </a:rPr>
-              <a:t>    </a:t>
-            </a:r>
-            <a:r>
-              <a:rPr lang="en-US" sz="2000" b="0" i="0" dirty="0">
-                <a:solidFill>
-                  <a:schemeClr val="bg1"/>
-                </a:solidFill>
-                <a:effectLst/>
-                <a:latin typeface="Courier New" panose="02070309020205020404" pitchFamily="49" charset="0"/>
-                <a:cs typeface="Courier New" panose="02070309020205020404" pitchFamily="49" charset="0"/>
-              </a:rPr>
-              <a:t>SET </a:t>
-            </a:r>
-            <a:r>
-              <a:rPr lang="en-US" sz="2000" dirty="0">
-                <a:solidFill>
-                  <a:schemeClr val="bg1"/>
-                </a:solidFill>
-                <a:latin typeface="Courier New" panose="02070309020205020404" pitchFamily="49" charset="0"/>
-                <a:cs typeface="Courier New" panose="02070309020205020404" pitchFamily="49" charset="0"/>
-              </a:rPr>
-              <a:t>Field1</a:t>
-            </a:r>
-            <a:r>
-              <a:rPr lang="en-US" sz="2000" b="0" i="0" dirty="0">
-                <a:solidFill>
-                  <a:schemeClr val="bg1"/>
-                </a:solidFill>
-                <a:effectLst/>
-                <a:latin typeface="Courier New" panose="02070309020205020404" pitchFamily="49" charset="0"/>
-                <a:cs typeface="Courier New" panose="02070309020205020404" pitchFamily="49" charset="0"/>
-              </a:rPr>
-              <a:t> = alias2.value1 </a:t>
-            </a:r>
-          </a:p>
-          <a:p>
-            <a:r>
-              <a:rPr lang="en-US" sz="2000" b="0" i="0" dirty="0">
-                <a:solidFill>
-                  <a:schemeClr val="bg1"/>
-                </a:solidFill>
-                <a:effectLst/>
-                <a:latin typeface="Courier New" panose="02070309020205020404" pitchFamily="49" charset="0"/>
-                <a:cs typeface="Courier New" panose="02070309020205020404" pitchFamily="49" charset="0"/>
-              </a:rPr>
-              <a:t>FROM table1 as alias1 </a:t>
-            </a:r>
-          </a:p>
-          <a:p>
-            <a:r>
-              <a:rPr lang="en-US" sz="2000" b="0" i="0" dirty="0">
-                <a:solidFill>
-                  <a:schemeClr val="bg1"/>
-                </a:solidFill>
-                <a:effectLst/>
-                <a:latin typeface="Courier New" panose="02070309020205020404" pitchFamily="49" charset="0"/>
-                <a:cs typeface="Courier New" panose="02070309020205020404" pitchFamily="49" charset="0"/>
-              </a:rPr>
-              <a:t>    JOIN table2 as alias2 ON table1.id = table2.id </a:t>
-            </a:r>
-          </a:p>
-          <a:p>
-            <a:r>
-              <a:rPr lang="en-US" sz="2000" b="0" i="0" dirty="0">
-                <a:solidFill>
-                  <a:schemeClr val="bg1"/>
-                </a:solidFill>
-                <a:effectLst/>
-                <a:latin typeface="Courier New" panose="02070309020205020404" pitchFamily="49" charset="0"/>
-                <a:cs typeface="Courier New" panose="02070309020205020404" pitchFamily="49" charset="0"/>
-              </a:rPr>
-              <a:t>    WHERE alias1.</a:t>
-            </a:r>
-            <a:r>
-              <a:rPr lang="en-US" sz="2000" dirty="0">
-                <a:solidFill>
-                  <a:schemeClr val="bg1"/>
-                </a:solidFill>
-                <a:latin typeface="Courier New" panose="02070309020205020404" pitchFamily="49" charset="0"/>
-                <a:cs typeface="Courier New" panose="02070309020205020404" pitchFamily="49" charset="0"/>
-              </a:rPr>
-              <a:t>Field2</a:t>
-            </a:r>
-            <a:r>
-              <a:rPr lang="en-US" sz="2000" b="0" i="0" dirty="0">
-                <a:solidFill>
-                  <a:schemeClr val="bg1"/>
-                </a:solidFill>
-                <a:effectLst/>
-                <a:latin typeface="Courier New" panose="02070309020205020404" pitchFamily="49" charset="0"/>
-                <a:cs typeface="Courier New" panose="02070309020205020404" pitchFamily="49" charset="0"/>
-              </a:rPr>
-              <a:t> = value2 ;</a:t>
-            </a:r>
-            <a:endParaRPr lang="ru-RU" sz="2000" b="0" i="0" dirty="0">
-              <a:solidFill>
-                <a:schemeClr val="bg1"/>
-              </a:solidFill>
-              <a:effectLst/>
-              <a:latin typeface="Courier New" panose="02070309020205020404" pitchFamily="49" charset="0"/>
-              <a:cs typeface="Courier New" panose="02070309020205020404" pitchFamily="49" charset="0"/>
-            </a:endParaRPr>
-          </a:p>
-          <a:p>
-            <a:endParaRPr lang="ru-RU" sz="2000" dirty="0">
-              <a:solidFill>
-                <a:schemeClr val="bg1"/>
-              </a:solidFill>
-              <a:latin typeface="Courier New" panose="02070309020205020404" pitchFamily="49" charset="0"/>
-              <a:cs typeface="Courier New" panose="02070309020205020404" pitchFamily="49" charset="0"/>
-            </a:endParaRPr>
-          </a:p>
-          <a:p>
-            <a:r>
-              <a:rPr lang="en-US" sz="2000" dirty="0">
-                <a:solidFill>
-                  <a:schemeClr val="bg1"/>
-                </a:solidFill>
-                <a:latin typeface="Courier New" panose="02070309020205020404" pitchFamily="49" charset="0"/>
-                <a:cs typeface="Courier New" panose="02070309020205020404" pitchFamily="49" charset="0"/>
-              </a:rPr>
-              <a:t>UPDATE </a:t>
-            </a:r>
-            <a:r>
-              <a:rPr lang="en-US" sz="2000" dirty="0" err="1">
-                <a:solidFill>
-                  <a:schemeClr val="bg1"/>
-                </a:solidFill>
-                <a:latin typeface="Courier New" panose="02070309020205020404" pitchFamily="49" charset="0"/>
-                <a:cs typeface="Courier New" panose="02070309020205020404" pitchFamily="49" charset="0"/>
-              </a:rPr>
-              <a:t>TableName</a:t>
-            </a:r>
-            <a:endParaRPr lang="en-US" sz="2000" dirty="0">
-              <a:solidFill>
-                <a:schemeClr val="bg1"/>
-              </a:solidFill>
-              <a:latin typeface="Courier New" panose="02070309020205020404" pitchFamily="49" charset="0"/>
-              <a:cs typeface="Courier New" panose="02070309020205020404" pitchFamily="49" charset="0"/>
-            </a:endParaRPr>
-          </a:p>
-          <a:p>
-            <a:r>
-              <a:rPr lang="en-US" sz="2000" dirty="0">
-                <a:solidFill>
-                  <a:schemeClr val="bg1"/>
-                </a:solidFill>
-                <a:latin typeface="Courier New" panose="02070309020205020404" pitchFamily="49" charset="0"/>
-                <a:cs typeface="Courier New" panose="02070309020205020404" pitchFamily="49" charset="0"/>
-              </a:rPr>
-              <a:t>SET Column = </a:t>
-            </a:r>
-          </a:p>
-          <a:p>
-            <a:r>
-              <a:rPr lang="en-US" sz="2000" dirty="0">
-                <a:solidFill>
-                  <a:schemeClr val="bg1"/>
-                </a:solidFill>
-                <a:latin typeface="Courier New" panose="02070309020205020404" pitchFamily="49" charset="0"/>
-                <a:cs typeface="Courier New" panose="02070309020205020404" pitchFamily="49" charset="0"/>
-              </a:rPr>
-              <a:t>    (SELECT ...)</a:t>
-            </a:r>
-          </a:p>
-          <a:p>
-            <a:r>
-              <a:rPr lang="en-US" sz="2000" dirty="0">
-                <a:solidFill>
-                  <a:schemeClr val="bg1"/>
-                </a:solidFill>
-                <a:latin typeface="Courier New" panose="02070309020205020404" pitchFamily="49" charset="0"/>
-                <a:cs typeface="Courier New" panose="02070309020205020404" pitchFamily="49" charset="0"/>
-              </a:rPr>
-              <a:t>WHERE condition;</a:t>
+                <a:latin typeface="Times New Roman" panose="02020603050405020304" pitchFamily="18" charset="0"/>
+                <a:cs typeface="Times New Roman" panose="02020603050405020304" pitchFamily="18" charset="0"/>
+              </a:rPr>
+              <a:t>OUTPUT</a:t>
             </a:r>
           </a:p>
         </p:txBody>
@@ -8178,7 +8220,7 @@
     </p:spTree>
     <p:extLst>
       <p:ext uri="{BB962C8B-B14F-4D97-AF65-F5344CB8AC3E}">
-        <p14:creationId xmlns:p14="http://schemas.microsoft.com/office/powerpoint/2010/main" val="1548152450"/>
+        <p14:creationId xmlns:p14="http://schemas.microsoft.com/office/powerpoint/2010/main" val="1317899404"/>
       </p:ext>
     </p:extLst>
   </p:cSld>
@@ -8230,18 +8272,241 @@
               <a:rPr lang="ru-RU" dirty="0"/>
               <a:t>Редактирование данных</a:t>
             </a:r>
-            <a:r>
-              <a:rPr lang="en-US" dirty="0"/>
-              <a:t> LIVE</a:t>
-            </a:r>
-            <a:endParaRPr lang="ru-RU" dirty="0"/>
+          </a:p>
+        </p:txBody>
+      </p:sp>
+      <p:sp>
+        <p:nvSpPr>
+          <p:cNvPr id="4" name="TextBox 3">
+            <a:extLst>
+              <a:ext uri="{FF2B5EF4-FFF2-40B4-BE49-F238E27FC236}">
+                <a16:creationId xmlns:a16="http://schemas.microsoft.com/office/drawing/2014/main" id="{4E41F64D-076E-E1C7-9A36-128CADFE367D}"/>
+              </a:ext>
+            </a:extLst>
+          </p:cNvPr>
+          <p:cNvSpPr txBox="1"/>
+          <p:nvPr/>
+        </p:nvSpPr>
+        <p:spPr>
+          <a:xfrm>
+            <a:off x="500550" y="1087957"/>
+            <a:ext cx="7991808" cy="3170099"/>
+          </a:xfrm>
+          <a:prstGeom prst="rect">
+            <a:avLst/>
+          </a:prstGeom>
+          <a:noFill/>
+        </p:spPr>
+        <p:txBody>
+          <a:bodyPr wrap="square">
+            <a:spAutoFit/>
+          </a:bodyPr>
+          <a:lstStyle/>
+          <a:p>
+            <a:r>
+              <a:rPr lang="en-US" sz="2000" b="0" i="0" dirty="0">
+                <a:solidFill>
+                  <a:schemeClr val="bg1"/>
+                </a:solidFill>
+                <a:effectLst/>
+                <a:latin typeface="Courier New" panose="02070309020205020404" pitchFamily="49" charset="0"/>
+                <a:cs typeface="Courier New" panose="02070309020205020404" pitchFamily="49" charset="0"/>
+              </a:rPr>
+              <a:t>UPDATE alias1 </a:t>
+            </a:r>
+          </a:p>
+          <a:p>
+            <a:r>
+              <a:rPr lang="en-US" sz="2000" dirty="0">
+                <a:solidFill>
+                  <a:schemeClr val="bg1"/>
+                </a:solidFill>
+                <a:latin typeface="Courier New" panose="02070309020205020404" pitchFamily="49" charset="0"/>
+                <a:cs typeface="Courier New" panose="02070309020205020404" pitchFamily="49" charset="0"/>
+              </a:rPr>
+              <a:t>    </a:t>
+            </a:r>
+            <a:r>
+              <a:rPr lang="en-US" sz="2000" b="0" i="0" dirty="0">
+                <a:solidFill>
+                  <a:schemeClr val="bg1"/>
+                </a:solidFill>
+                <a:effectLst/>
+                <a:latin typeface="Courier New" panose="02070309020205020404" pitchFamily="49" charset="0"/>
+                <a:cs typeface="Courier New" panose="02070309020205020404" pitchFamily="49" charset="0"/>
+              </a:rPr>
+              <a:t>SET </a:t>
+            </a:r>
+            <a:r>
+              <a:rPr lang="en-US" sz="2000" dirty="0">
+                <a:solidFill>
+                  <a:schemeClr val="bg1"/>
+                </a:solidFill>
+                <a:latin typeface="Courier New" panose="02070309020205020404" pitchFamily="49" charset="0"/>
+                <a:cs typeface="Courier New" panose="02070309020205020404" pitchFamily="49" charset="0"/>
+              </a:rPr>
+              <a:t>Field1</a:t>
+            </a:r>
+            <a:r>
+              <a:rPr lang="en-US" sz="2000" b="0" i="0" dirty="0">
+                <a:solidFill>
+                  <a:schemeClr val="bg1"/>
+                </a:solidFill>
+                <a:effectLst/>
+                <a:latin typeface="Courier New" panose="02070309020205020404" pitchFamily="49" charset="0"/>
+                <a:cs typeface="Courier New" panose="02070309020205020404" pitchFamily="49" charset="0"/>
+              </a:rPr>
+              <a:t> = alias2.value1 </a:t>
+            </a:r>
+          </a:p>
+          <a:p>
+            <a:r>
+              <a:rPr lang="en-US" sz="2000" b="0" i="0" dirty="0">
+                <a:solidFill>
+                  <a:schemeClr val="bg1"/>
+                </a:solidFill>
+                <a:effectLst/>
+                <a:latin typeface="Courier New" panose="02070309020205020404" pitchFamily="49" charset="0"/>
+                <a:cs typeface="Courier New" panose="02070309020205020404" pitchFamily="49" charset="0"/>
+              </a:rPr>
+              <a:t>FROM table1 as alias1 </a:t>
+            </a:r>
+          </a:p>
+          <a:p>
+            <a:r>
+              <a:rPr lang="en-US" sz="2000" b="0" i="0" dirty="0">
+                <a:solidFill>
+                  <a:schemeClr val="bg1"/>
+                </a:solidFill>
+                <a:effectLst/>
+                <a:latin typeface="Courier New" panose="02070309020205020404" pitchFamily="49" charset="0"/>
+                <a:cs typeface="Courier New" panose="02070309020205020404" pitchFamily="49" charset="0"/>
+              </a:rPr>
+              <a:t>    JOIN table2 as alias2 ON table1.id = table2.id </a:t>
+            </a:r>
+          </a:p>
+          <a:p>
+            <a:r>
+              <a:rPr lang="en-US" sz="2000" b="0" i="0" dirty="0">
+                <a:solidFill>
+                  <a:schemeClr val="bg1"/>
+                </a:solidFill>
+                <a:effectLst/>
+                <a:latin typeface="Courier New" panose="02070309020205020404" pitchFamily="49" charset="0"/>
+                <a:cs typeface="Courier New" panose="02070309020205020404" pitchFamily="49" charset="0"/>
+              </a:rPr>
+              <a:t>    WHERE alias1.</a:t>
+            </a:r>
+            <a:r>
+              <a:rPr lang="en-US" sz="2000" dirty="0">
+                <a:solidFill>
+                  <a:schemeClr val="bg1"/>
+                </a:solidFill>
+                <a:latin typeface="Courier New" panose="02070309020205020404" pitchFamily="49" charset="0"/>
+                <a:cs typeface="Courier New" panose="02070309020205020404" pitchFamily="49" charset="0"/>
+              </a:rPr>
+              <a:t>Field2</a:t>
+            </a:r>
+            <a:r>
+              <a:rPr lang="en-US" sz="2000" b="0" i="0" dirty="0">
+                <a:solidFill>
+                  <a:schemeClr val="bg1"/>
+                </a:solidFill>
+                <a:effectLst/>
+                <a:latin typeface="Courier New" panose="02070309020205020404" pitchFamily="49" charset="0"/>
+                <a:cs typeface="Courier New" panose="02070309020205020404" pitchFamily="49" charset="0"/>
+              </a:rPr>
+              <a:t> = value2 ;</a:t>
+            </a:r>
+            <a:endParaRPr lang="ru-RU" sz="2000" b="0" i="0" dirty="0">
+              <a:solidFill>
+                <a:schemeClr val="bg1"/>
+              </a:solidFill>
+              <a:effectLst/>
+              <a:latin typeface="Courier New" panose="02070309020205020404" pitchFamily="49" charset="0"/>
+              <a:cs typeface="Courier New" panose="02070309020205020404" pitchFamily="49" charset="0"/>
+            </a:endParaRPr>
+          </a:p>
+          <a:p>
+            <a:endParaRPr lang="ru-RU" sz="2000" dirty="0">
+              <a:solidFill>
+                <a:schemeClr val="bg1"/>
+              </a:solidFill>
+              <a:latin typeface="Courier New" panose="02070309020205020404" pitchFamily="49" charset="0"/>
+              <a:cs typeface="Courier New" panose="02070309020205020404" pitchFamily="49" charset="0"/>
+            </a:endParaRPr>
+          </a:p>
+          <a:p>
+            <a:r>
+              <a:rPr lang="en-US" sz="2000" dirty="0">
+                <a:solidFill>
+                  <a:schemeClr val="bg1"/>
+                </a:solidFill>
+                <a:latin typeface="Courier New" panose="02070309020205020404" pitchFamily="49" charset="0"/>
+                <a:cs typeface="Courier New" panose="02070309020205020404" pitchFamily="49" charset="0"/>
+              </a:rPr>
+              <a:t>UPDATE </a:t>
+            </a:r>
+            <a:r>
+              <a:rPr lang="en-US" sz="2000" dirty="0" err="1">
+                <a:solidFill>
+                  <a:schemeClr val="bg1"/>
+                </a:solidFill>
+                <a:latin typeface="Courier New" panose="02070309020205020404" pitchFamily="49" charset="0"/>
+                <a:cs typeface="Courier New" panose="02070309020205020404" pitchFamily="49" charset="0"/>
+              </a:rPr>
+              <a:t>TableName</a:t>
+            </a:r>
+            <a:endParaRPr lang="en-US" sz="2000" dirty="0">
+              <a:solidFill>
+                <a:schemeClr val="bg1"/>
+              </a:solidFill>
+              <a:latin typeface="Courier New" panose="02070309020205020404" pitchFamily="49" charset="0"/>
+              <a:cs typeface="Courier New" panose="02070309020205020404" pitchFamily="49" charset="0"/>
+            </a:endParaRPr>
+          </a:p>
+          <a:p>
+            <a:r>
+              <a:rPr lang="en-US" sz="2000" dirty="0">
+                <a:solidFill>
+                  <a:schemeClr val="bg1"/>
+                </a:solidFill>
+                <a:latin typeface="Courier New" panose="02070309020205020404" pitchFamily="49" charset="0"/>
+                <a:cs typeface="Courier New" panose="02070309020205020404" pitchFamily="49" charset="0"/>
+              </a:rPr>
+              <a:t>SET Column = </a:t>
+            </a:r>
+          </a:p>
+          <a:p>
+            <a:r>
+              <a:rPr lang="en-US" sz="2000" dirty="0">
+                <a:solidFill>
+                  <a:schemeClr val="bg1"/>
+                </a:solidFill>
+                <a:latin typeface="Courier New" panose="02070309020205020404" pitchFamily="49" charset="0"/>
+                <a:cs typeface="Courier New" panose="02070309020205020404" pitchFamily="49" charset="0"/>
+              </a:rPr>
+              <a:t>    (SELECT ...)</a:t>
+            </a:r>
+          </a:p>
+          <a:p>
+            <a:r>
+              <a:rPr lang="en-US" sz="2000" dirty="0">
+                <a:solidFill>
+                  <a:schemeClr val="bg1"/>
+                </a:solidFill>
+                <a:latin typeface="Courier New" panose="02070309020205020404" pitchFamily="49" charset="0"/>
+                <a:cs typeface="Courier New" panose="02070309020205020404" pitchFamily="49" charset="0"/>
+              </a:rPr>
+              <a:t>WHERE condition;</a:t>
+            </a:r>
           </a:p>
         </p:txBody>
       </p:sp>
     </p:spTree>
     <p:extLst>
       <p:ext uri="{BB962C8B-B14F-4D97-AF65-F5344CB8AC3E}">
-        <p14:creationId xmlns:p14="http://schemas.microsoft.com/office/powerpoint/2010/main" val="250829060"/>
+        <p14:creationId xmlns:p14="http://schemas.microsoft.com/office/powerpoint/2010/main" val="1548152450"/>
       </p:ext>
     </p:extLst>
   </p:cSld>
@@ -8538,7 +8803,7 @@
           <p:cNvPr id="2" name="Заголовок 1">
             <a:extLst>
               <a:ext uri="{FF2B5EF4-FFF2-40B4-BE49-F238E27FC236}">
-                <a16:creationId xmlns:a16="http://schemas.microsoft.com/office/drawing/2014/main" id="{4DD2389B-987E-000D-AE71-49901C3905A1}"/>
+                <a16:creationId xmlns:a16="http://schemas.microsoft.com/office/drawing/2014/main" id="{5E570BF0-5D45-2938-A4E5-BDFA486E90CB}"/>
               </a:ext>
             </a:extLst>
           </p:cNvPr>
@@ -8555,248 +8820,21 @@
           <a:lstStyle/>
           <a:p>
             <a:r>
+              <a:rPr lang="ru-RU" dirty="0"/>
+              <a:t>Редактирование данных</a:t>
+            </a:r>
+            <a:r>
               <a:rPr lang="en-US" dirty="0"/>
-              <a:t>MERGE</a:t>
+              <a:t> LIVE</a:t>
             </a:r>
             <a:endParaRPr lang="ru-RU" dirty="0"/>
-          </a:p>
-        </p:txBody>
-      </p:sp>
-      <p:sp>
-        <p:nvSpPr>
-          <p:cNvPr id="3" name="TextBox 2">
-            <a:extLst>
-              <a:ext uri="{FF2B5EF4-FFF2-40B4-BE49-F238E27FC236}">
-                <a16:creationId xmlns:a16="http://schemas.microsoft.com/office/drawing/2014/main" id="{BBB51781-1FEB-AB36-BE24-93D01F518059}"/>
-              </a:ext>
-            </a:extLst>
-          </p:cNvPr>
-          <p:cNvSpPr txBox="1"/>
-          <p:nvPr/>
-        </p:nvSpPr>
-        <p:spPr>
-          <a:xfrm>
-            <a:off x="395447" y="1426624"/>
-            <a:ext cx="7991808" cy="2554545"/>
-          </a:xfrm>
-          <a:prstGeom prst="rect">
-            <a:avLst/>
-          </a:prstGeom>
-          <a:noFill/>
-        </p:spPr>
-        <p:txBody>
-          <a:bodyPr wrap="square">
-            <a:spAutoFit/>
-          </a:bodyPr>
-          <a:lstStyle/>
-          <a:p>
-            <a:r>
-              <a:rPr lang="en-US" sz="2000" b="0" i="0" dirty="0">
-                <a:solidFill>
-                  <a:schemeClr val="bg1"/>
-                </a:solidFill>
-                <a:effectLst/>
-                <a:latin typeface="Courier New" panose="02070309020205020404" pitchFamily="49" charset="0"/>
-                <a:cs typeface="Courier New" panose="02070309020205020404" pitchFamily="49" charset="0"/>
-              </a:rPr>
-              <a:t>MERGE </a:t>
-            </a:r>
-            <a:r>
-              <a:rPr lang="en-US" sz="2000" b="0" i="0" dirty="0" err="1">
-                <a:solidFill>
-                  <a:schemeClr val="bg1"/>
-                </a:solidFill>
-                <a:effectLst/>
-                <a:latin typeface="Courier New" panose="02070309020205020404" pitchFamily="49" charset="0"/>
-                <a:cs typeface="Courier New" panose="02070309020205020404" pitchFamily="49" charset="0"/>
-              </a:rPr>
-              <a:t>target_table</a:t>
-            </a:r>
-            <a:r>
-              <a:rPr lang="en-US" sz="2000" b="0" i="0" dirty="0">
-                <a:solidFill>
-                  <a:schemeClr val="bg1"/>
-                </a:solidFill>
-                <a:effectLst/>
-                <a:latin typeface="Courier New" panose="02070309020205020404" pitchFamily="49" charset="0"/>
-                <a:cs typeface="Courier New" panose="02070309020205020404" pitchFamily="49" charset="0"/>
-              </a:rPr>
-              <a:t> USING </a:t>
-            </a:r>
-            <a:r>
-              <a:rPr lang="en-US" sz="2000" b="0" i="0" dirty="0" err="1">
-                <a:solidFill>
-                  <a:schemeClr val="bg1"/>
-                </a:solidFill>
-                <a:effectLst/>
-                <a:latin typeface="Courier New" panose="02070309020205020404" pitchFamily="49" charset="0"/>
-                <a:cs typeface="Courier New" panose="02070309020205020404" pitchFamily="49" charset="0"/>
-              </a:rPr>
-              <a:t>source_table</a:t>
-            </a:r>
-            <a:endParaRPr lang="en-US" sz="2000" b="0" i="0" dirty="0">
-              <a:solidFill>
-                <a:schemeClr val="bg1"/>
-              </a:solidFill>
-              <a:effectLst/>
-              <a:latin typeface="Courier New" panose="02070309020205020404" pitchFamily="49" charset="0"/>
-              <a:cs typeface="Courier New" panose="02070309020205020404" pitchFamily="49" charset="0"/>
-            </a:endParaRPr>
-          </a:p>
-          <a:p>
-            <a:r>
-              <a:rPr lang="en-US" sz="2000" b="0" i="0" dirty="0">
-                <a:solidFill>
-                  <a:schemeClr val="bg1"/>
-                </a:solidFill>
-                <a:effectLst/>
-                <a:latin typeface="Courier New" panose="02070309020205020404" pitchFamily="49" charset="0"/>
-                <a:cs typeface="Courier New" panose="02070309020205020404" pitchFamily="49" charset="0"/>
-              </a:rPr>
-              <a:t>ON </a:t>
-            </a:r>
-            <a:r>
-              <a:rPr lang="en-US" sz="2000" b="0" i="0" dirty="0" err="1">
-                <a:solidFill>
-                  <a:schemeClr val="bg1"/>
-                </a:solidFill>
-                <a:effectLst/>
-                <a:latin typeface="Courier New" panose="02070309020205020404" pitchFamily="49" charset="0"/>
-                <a:cs typeface="Courier New" panose="02070309020205020404" pitchFamily="49" charset="0"/>
-              </a:rPr>
-              <a:t>merge_condition</a:t>
-            </a:r>
-            <a:endParaRPr lang="en-US" sz="2000" b="0" i="0" dirty="0">
-              <a:solidFill>
-                <a:schemeClr val="bg1"/>
-              </a:solidFill>
-              <a:effectLst/>
-              <a:latin typeface="Courier New" panose="02070309020205020404" pitchFamily="49" charset="0"/>
-              <a:cs typeface="Courier New" panose="02070309020205020404" pitchFamily="49" charset="0"/>
-            </a:endParaRPr>
-          </a:p>
-          <a:p>
-            <a:r>
-              <a:rPr lang="en-US" sz="2000" b="0" i="0" dirty="0">
-                <a:solidFill>
-                  <a:schemeClr val="bg1"/>
-                </a:solidFill>
-                <a:effectLst/>
-                <a:latin typeface="Courier New" panose="02070309020205020404" pitchFamily="49" charset="0"/>
-                <a:cs typeface="Courier New" panose="02070309020205020404" pitchFamily="49" charset="0"/>
-              </a:rPr>
-              <a:t>WHEN MATCHED</a:t>
-            </a:r>
-          </a:p>
-          <a:p>
-            <a:r>
-              <a:rPr lang="en-US" sz="2000" b="0" i="0" dirty="0">
-                <a:solidFill>
-                  <a:schemeClr val="bg1"/>
-                </a:solidFill>
-                <a:effectLst/>
-                <a:latin typeface="Courier New" panose="02070309020205020404" pitchFamily="49" charset="0"/>
-                <a:cs typeface="Courier New" panose="02070309020205020404" pitchFamily="49" charset="0"/>
-              </a:rPr>
-              <a:t>    THEN </a:t>
-            </a:r>
-            <a:r>
-              <a:rPr lang="en-US" sz="2000" b="0" i="0" dirty="0" err="1">
-                <a:solidFill>
-                  <a:schemeClr val="bg1"/>
-                </a:solidFill>
-                <a:effectLst/>
-                <a:latin typeface="Courier New" panose="02070309020205020404" pitchFamily="49" charset="0"/>
-                <a:cs typeface="Courier New" panose="02070309020205020404" pitchFamily="49" charset="0"/>
-              </a:rPr>
-              <a:t>update_statement</a:t>
-            </a:r>
-            <a:endParaRPr lang="en-US" sz="2000" b="0" i="0" dirty="0">
-              <a:solidFill>
-                <a:schemeClr val="bg1"/>
-              </a:solidFill>
-              <a:effectLst/>
-              <a:latin typeface="Courier New" panose="02070309020205020404" pitchFamily="49" charset="0"/>
-              <a:cs typeface="Courier New" panose="02070309020205020404" pitchFamily="49" charset="0"/>
-            </a:endParaRPr>
-          </a:p>
-          <a:p>
-            <a:r>
-              <a:rPr lang="en-US" sz="2000" b="0" i="0" dirty="0">
-                <a:solidFill>
-                  <a:schemeClr val="bg1"/>
-                </a:solidFill>
-                <a:effectLst/>
-                <a:latin typeface="Courier New" panose="02070309020205020404" pitchFamily="49" charset="0"/>
-                <a:cs typeface="Courier New" panose="02070309020205020404" pitchFamily="49" charset="0"/>
-              </a:rPr>
-              <a:t>WHEN NOT MATCHED</a:t>
-            </a:r>
-          </a:p>
-          <a:p>
-            <a:r>
-              <a:rPr lang="en-US" sz="2000" b="0" i="0" dirty="0">
-                <a:solidFill>
-                  <a:schemeClr val="bg1"/>
-                </a:solidFill>
-                <a:effectLst/>
-                <a:latin typeface="Courier New" panose="02070309020205020404" pitchFamily="49" charset="0"/>
-                <a:cs typeface="Courier New" panose="02070309020205020404" pitchFamily="49" charset="0"/>
-              </a:rPr>
-              <a:t>    THEN </a:t>
-            </a:r>
-            <a:r>
-              <a:rPr lang="en-US" sz="2000" b="0" i="0" dirty="0" err="1">
-                <a:solidFill>
-                  <a:schemeClr val="bg1"/>
-                </a:solidFill>
-                <a:effectLst/>
-                <a:latin typeface="Courier New" panose="02070309020205020404" pitchFamily="49" charset="0"/>
-                <a:cs typeface="Courier New" panose="02070309020205020404" pitchFamily="49" charset="0"/>
-              </a:rPr>
-              <a:t>insert_statement</a:t>
-            </a:r>
-            <a:endParaRPr lang="en-US" sz="2000" b="0" i="0" dirty="0">
-              <a:solidFill>
-                <a:schemeClr val="bg1"/>
-              </a:solidFill>
-              <a:effectLst/>
-              <a:latin typeface="Courier New" panose="02070309020205020404" pitchFamily="49" charset="0"/>
-              <a:cs typeface="Courier New" panose="02070309020205020404" pitchFamily="49" charset="0"/>
-            </a:endParaRPr>
-          </a:p>
-          <a:p>
-            <a:r>
-              <a:rPr lang="en-US" sz="2000" b="0" i="0" dirty="0">
-                <a:solidFill>
-                  <a:schemeClr val="bg1"/>
-                </a:solidFill>
-                <a:effectLst/>
-                <a:latin typeface="Courier New" panose="02070309020205020404" pitchFamily="49" charset="0"/>
-                <a:cs typeface="Courier New" panose="02070309020205020404" pitchFamily="49" charset="0"/>
-              </a:rPr>
-              <a:t>WHEN NOT MATCHED BY SOURCE</a:t>
-            </a:r>
-          </a:p>
-          <a:p>
-            <a:r>
-              <a:rPr lang="en-US" sz="2000" b="0" i="0" dirty="0">
-                <a:solidFill>
-                  <a:schemeClr val="bg1"/>
-                </a:solidFill>
-                <a:effectLst/>
-                <a:latin typeface="Courier New" panose="02070309020205020404" pitchFamily="49" charset="0"/>
-                <a:cs typeface="Courier New" panose="02070309020205020404" pitchFamily="49" charset="0"/>
-              </a:rPr>
-              <a:t>    THEN DELETE;</a:t>
-            </a:r>
           </a:p>
         </p:txBody>
       </p:sp>
     </p:spTree>
     <p:extLst>
       <p:ext uri="{BB962C8B-B14F-4D97-AF65-F5344CB8AC3E}">
-        <p14:creationId xmlns:p14="http://schemas.microsoft.com/office/powerpoint/2010/main" val="2104548268"/>
+        <p14:creationId xmlns:p14="http://schemas.microsoft.com/office/powerpoint/2010/main" val="250829060"/>
       </p:ext>
     </p:extLst>
   </p:cSld>
@@ -8852,6 +8890,296 @@
           </a:p>
         </p:txBody>
       </p:sp>
+      <p:sp>
+        <p:nvSpPr>
+          <p:cNvPr id="3" name="TextBox 2">
+            <a:extLst>
+              <a:ext uri="{FF2B5EF4-FFF2-40B4-BE49-F238E27FC236}">
+                <a16:creationId xmlns:a16="http://schemas.microsoft.com/office/drawing/2014/main" id="{BBB51781-1FEB-AB36-BE24-93D01F518059}"/>
+              </a:ext>
+            </a:extLst>
+          </p:cNvPr>
+          <p:cNvSpPr txBox="1"/>
+          <p:nvPr/>
+        </p:nvSpPr>
+        <p:spPr>
+          <a:xfrm>
+            <a:off x="395447" y="1426624"/>
+            <a:ext cx="7991808" cy="2554545"/>
+          </a:xfrm>
+          <a:prstGeom prst="rect">
+            <a:avLst/>
+          </a:prstGeom>
+          <a:noFill/>
+        </p:spPr>
+        <p:txBody>
+          <a:bodyPr wrap="square">
+            <a:spAutoFit/>
+          </a:bodyPr>
+          <a:lstStyle/>
+          <a:p>
+            <a:r>
+              <a:rPr lang="en-US" sz="2000" b="0" i="0" dirty="0">
+                <a:solidFill>
+                  <a:schemeClr val="bg1"/>
+                </a:solidFill>
+                <a:effectLst/>
+                <a:latin typeface="Courier New" panose="02070309020205020404" pitchFamily="49" charset="0"/>
+                <a:cs typeface="Courier New" panose="02070309020205020404" pitchFamily="49" charset="0"/>
+              </a:rPr>
+              <a:t>MERGE </a:t>
+            </a:r>
+            <a:r>
+              <a:rPr lang="en-US" sz="2000" b="0" i="0" dirty="0" err="1">
+                <a:solidFill>
+                  <a:schemeClr val="bg1"/>
+                </a:solidFill>
+                <a:effectLst/>
+                <a:latin typeface="Courier New" panose="02070309020205020404" pitchFamily="49" charset="0"/>
+                <a:cs typeface="Courier New" panose="02070309020205020404" pitchFamily="49" charset="0"/>
+              </a:rPr>
+              <a:t>target_table</a:t>
+            </a:r>
+            <a:r>
+              <a:rPr lang="en-US" sz="2000" b="0" i="0" dirty="0">
+                <a:solidFill>
+                  <a:schemeClr val="bg1"/>
+                </a:solidFill>
+                <a:effectLst/>
+                <a:latin typeface="Courier New" panose="02070309020205020404" pitchFamily="49" charset="0"/>
+                <a:cs typeface="Courier New" panose="02070309020205020404" pitchFamily="49" charset="0"/>
+              </a:rPr>
+              <a:t> USING </a:t>
+            </a:r>
+            <a:r>
+              <a:rPr lang="en-US" sz="2000" b="0" i="0" dirty="0" err="1">
+                <a:solidFill>
+                  <a:schemeClr val="bg1"/>
+                </a:solidFill>
+                <a:effectLst/>
+                <a:latin typeface="Courier New" panose="02070309020205020404" pitchFamily="49" charset="0"/>
+                <a:cs typeface="Courier New" panose="02070309020205020404" pitchFamily="49" charset="0"/>
+              </a:rPr>
+              <a:t>source_table</a:t>
+            </a:r>
+            <a:endParaRPr lang="en-US" sz="2000" b="0" i="0" dirty="0">
+              <a:solidFill>
+                <a:schemeClr val="bg1"/>
+              </a:solidFill>
+              <a:effectLst/>
+              <a:latin typeface="Courier New" panose="02070309020205020404" pitchFamily="49" charset="0"/>
+              <a:cs typeface="Courier New" panose="02070309020205020404" pitchFamily="49" charset="0"/>
+            </a:endParaRPr>
+          </a:p>
+          <a:p>
+            <a:r>
+              <a:rPr lang="en-US" sz="2000" b="0" i="0" dirty="0">
+                <a:solidFill>
+                  <a:schemeClr val="bg1"/>
+                </a:solidFill>
+                <a:effectLst/>
+                <a:latin typeface="Courier New" panose="02070309020205020404" pitchFamily="49" charset="0"/>
+                <a:cs typeface="Courier New" panose="02070309020205020404" pitchFamily="49" charset="0"/>
+              </a:rPr>
+              <a:t>ON </a:t>
+            </a:r>
+            <a:r>
+              <a:rPr lang="en-US" sz="2000" b="0" i="0" dirty="0" err="1">
+                <a:solidFill>
+                  <a:schemeClr val="bg1"/>
+                </a:solidFill>
+                <a:effectLst/>
+                <a:latin typeface="Courier New" panose="02070309020205020404" pitchFamily="49" charset="0"/>
+                <a:cs typeface="Courier New" panose="02070309020205020404" pitchFamily="49" charset="0"/>
+              </a:rPr>
+              <a:t>merge_condition</a:t>
+            </a:r>
+            <a:endParaRPr lang="en-US" sz="2000" b="0" i="0" dirty="0">
+              <a:solidFill>
+                <a:schemeClr val="bg1"/>
+              </a:solidFill>
+              <a:effectLst/>
+              <a:latin typeface="Courier New" panose="02070309020205020404" pitchFamily="49" charset="0"/>
+              <a:cs typeface="Courier New" panose="02070309020205020404" pitchFamily="49" charset="0"/>
+            </a:endParaRPr>
+          </a:p>
+          <a:p>
+            <a:r>
+              <a:rPr lang="en-US" sz="2000" b="0" i="0" dirty="0">
+                <a:solidFill>
+                  <a:schemeClr val="bg1"/>
+                </a:solidFill>
+                <a:effectLst/>
+                <a:latin typeface="Courier New" panose="02070309020205020404" pitchFamily="49" charset="0"/>
+                <a:cs typeface="Courier New" panose="02070309020205020404" pitchFamily="49" charset="0"/>
+              </a:rPr>
+              <a:t>WHEN MATCHED</a:t>
+            </a:r>
+          </a:p>
+          <a:p>
+            <a:r>
+              <a:rPr lang="en-US" sz="2000" b="0" i="0" dirty="0">
+                <a:solidFill>
+                  <a:schemeClr val="bg1"/>
+                </a:solidFill>
+                <a:effectLst/>
+                <a:latin typeface="Courier New" panose="02070309020205020404" pitchFamily="49" charset="0"/>
+                <a:cs typeface="Courier New" panose="02070309020205020404" pitchFamily="49" charset="0"/>
+              </a:rPr>
+              <a:t>    THEN </a:t>
+            </a:r>
+            <a:r>
+              <a:rPr lang="en-US" sz="2000" b="0" i="0" dirty="0" err="1">
+                <a:solidFill>
+                  <a:schemeClr val="bg1"/>
+                </a:solidFill>
+                <a:effectLst/>
+                <a:latin typeface="Courier New" panose="02070309020205020404" pitchFamily="49" charset="0"/>
+                <a:cs typeface="Courier New" panose="02070309020205020404" pitchFamily="49" charset="0"/>
+              </a:rPr>
+              <a:t>update_statement</a:t>
+            </a:r>
+            <a:endParaRPr lang="en-US" sz="2000" b="0" i="0" dirty="0">
+              <a:solidFill>
+                <a:schemeClr val="bg1"/>
+              </a:solidFill>
+              <a:effectLst/>
+              <a:latin typeface="Courier New" panose="02070309020205020404" pitchFamily="49" charset="0"/>
+              <a:cs typeface="Courier New" panose="02070309020205020404" pitchFamily="49" charset="0"/>
+            </a:endParaRPr>
+          </a:p>
+          <a:p>
+            <a:r>
+              <a:rPr lang="en-US" sz="2000" b="0" i="0" dirty="0">
+                <a:solidFill>
+                  <a:schemeClr val="bg1"/>
+                </a:solidFill>
+                <a:effectLst/>
+                <a:latin typeface="Courier New" panose="02070309020205020404" pitchFamily="49" charset="0"/>
+                <a:cs typeface="Courier New" panose="02070309020205020404" pitchFamily="49" charset="0"/>
+              </a:rPr>
+              <a:t>WHEN NOT MATCHED</a:t>
+            </a:r>
+          </a:p>
+          <a:p>
+            <a:r>
+              <a:rPr lang="en-US" sz="2000" b="0" i="0" dirty="0">
+                <a:solidFill>
+                  <a:schemeClr val="bg1"/>
+                </a:solidFill>
+                <a:effectLst/>
+                <a:latin typeface="Courier New" panose="02070309020205020404" pitchFamily="49" charset="0"/>
+                <a:cs typeface="Courier New" panose="02070309020205020404" pitchFamily="49" charset="0"/>
+              </a:rPr>
+              <a:t>    THEN </a:t>
+            </a:r>
+            <a:r>
+              <a:rPr lang="en-US" sz="2000" b="0" i="0" dirty="0" err="1">
+                <a:solidFill>
+                  <a:schemeClr val="bg1"/>
+                </a:solidFill>
+                <a:effectLst/>
+                <a:latin typeface="Courier New" panose="02070309020205020404" pitchFamily="49" charset="0"/>
+                <a:cs typeface="Courier New" panose="02070309020205020404" pitchFamily="49" charset="0"/>
+              </a:rPr>
+              <a:t>insert_statement</a:t>
+            </a:r>
+            <a:endParaRPr lang="en-US" sz="2000" b="0" i="0" dirty="0">
+              <a:solidFill>
+                <a:schemeClr val="bg1"/>
+              </a:solidFill>
+              <a:effectLst/>
+              <a:latin typeface="Courier New" panose="02070309020205020404" pitchFamily="49" charset="0"/>
+              <a:cs typeface="Courier New" panose="02070309020205020404" pitchFamily="49" charset="0"/>
+            </a:endParaRPr>
+          </a:p>
+          <a:p>
+            <a:r>
+              <a:rPr lang="en-US" sz="2000" b="0" i="0" dirty="0">
+                <a:solidFill>
+                  <a:schemeClr val="bg1"/>
+                </a:solidFill>
+                <a:effectLst/>
+                <a:latin typeface="Courier New" panose="02070309020205020404" pitchFamily="49" charset="0"/>
+                <a:cs typeface="Courier New" panose="02070309020205020404" pitchFamily="49" charset="0"/>
+              </a:rPr>
+              <a:t>WHEN NOT MATCHED BY SOURCE</a:t>
+            </a:r>
+          </a:p>
+          <a:p>
+            <a:r>
+              <a:rPr lang="en-US" sz="2000" b="0" i="0" dirty="0">
+                <a:solidFill>
+                  <a:schemeClr val="bg1"/>
+                </a:solidFill>
+                <a:effectLst/>
+                <a:latin typeface="Courier New" panose="02070309020205020404" pitchFamily="49" charset="0"/>
+                <a:cs typeface="Courier New" panose="02070309020205020404" pitchFamily="49" charset="0"/>
+              </a:rPr>
+              <a:t>    THEN DELETE;</a:t>
+            </a:r>
+          </a:p>
+        </p:txBody>
+      </p:sp>
+    </p:spTree>
+    <p:extLst>
+      <p:ext uri="{BB962C8B-B14F-4D97-AF65-F5344CB8AC3E}">
+        <p14:creationId xmlns:p14="http://schemas.microsoft.com/office/powerpoint/2010/main" val="2104548268"/>
+      </p:ext>
+    </p:extLst>
+  </p:cSld>
+  <p:clrMapOvr>
+    <a:masterClrMapping/>
+  </p:clrMapOvr>
+</p:sld>
+</file>
+
+<file path=ppt/slides/slide22.xml><?xml version="1.0" encoding="utf-8"?>
+<p:sld xmlns:a="http://schemas.openxmlformats.org/drawingml/2006/main" xmlns:r="http://schemas.openxmlformats.org/officeDocument/2006/relationships" xmlns:p="http://schemas.openxmlformats.org/presentationml/2006/main">
+  <p:cSld>
+    <p:spTree>
+      <p:nvGrpSpPr>
+        <p:cNvPr id="1" name=""/>
+        <p:cNvGrpSpPr/>
+        <p:nvPr/>
+      </p:nvGrpSpPr>
+      <p:grpSpPr>
+        <a:xfrm>
+          <a:off x="0" y="0"/>
+          <a:ext cx="0" cy="0"/>
+          <a:chOff x="0" y="0"/>
+          <a:chExt cx="0" cy="0"/>
+        </a:xfrm>
+      </p:grpSpPr>
+      <p:sp>
+        <p:nvSpPr>
+          <p:cNvPr id="2" name="Заголовок 1">
+            <a:extLst>
+              <a:ext uri="{FF2B5EF4-FFF2-40B4-BE49-F238E27FC236}">
+                <a16:creationId xmlns:a16="http://schemas.microsoft.com/office/drawing/2014/main" id="{4DD2389B-987E-000D-AE71-49901C3905A1}"/>
+              </a:ext>
+            </a:extLst>
+          </p:cNvPr>
+          <p:cNvSpPr>
+            <a:spLocks noGrp="1"/>
+          </p:cNvSpPr>
+          <p:nvPr>
+            <p:ph type="title"/>
+          </p:nvPr>
+        </p:nvSpPr>
+        <p:spPr/>
+        <p:txBody>
+          <a:bodyPr/>
+          <a:lstStyle/>
+          <a:p>
+            <a:r>
+              <a:rPr lang="en-US" dirty="0"/>
+              <a:t>MERGE</a:t>
+            </a:r>
+            <a:endParaRPr lang="ru-RU" dirty="0"/>
+          </a:p>
+        </p:txBody>
+      </p:sp>
       <p:pic>
         <p:nvPicPr>
           <p:cNvPr id="5" name="Рисунок 4" descr="Изображение выглядит как текст, снимок экрана, диаграмма, Шрифт&#10;&#10;Автоматически созданное описание">
@@ -8895,7 +9223,7 @@
 </p:sld>
 </file>
 
-<file path=ppt/slides/slide22.xml><?xml version="1.0" encoding="utf-8"?>
+<file path=ppt/slides/slide23.xml><?xml version="1.0" encoding="utf-8"?>
 <p:sld xmlns:a="http://schemas.openxmlformats.org/drawingml/2006/main" xmlns:r="http://schemas.openxmlformats.org/officeDocument/2006/relationships" xmlns:p="http://schemas.openxmlformats.org/presentationml/2006/main">
   <p:cSld>
     <p:spTree>
@@ -8945,234 +9273,6 @@
     <p:extLst>
       <p:ext uri="{BB962C8B-B14F-4D97-AF65-F5344CB8AC3E}">
         <p14:creationId xmlns:p14="http://schemas.microsoft.com/office/powerpoint/2010/main" val="3866727418"/>
-      </p:ext>
-    </p:extLst>
-  </p:cSld>
-  <p:clrMapOvr>
-    <a:masterClrMapping/>
-  </p:clrMapOvr>
-</p:sld>
-</file>
-
-<file path=ppt/slides/slide23.xml><?xml version="1.0" encoding="utf-8"?>
-<p:sld xmlns:a="http://schemas.openxmlformats.org/drawingml/2006/main" xmlns:r="http://schemas.openxmlformats.org/officeDocument/2006/relationships" xmlns:p="http://schemas.openxmlformats.org/presentationml/2006/main">
-  <p:cSld>
-    <p:spTree>
-      <p:nvGrpSpPr>
-        <p:cNvPr id="1" name=""/>
-        <p:cNvGrpSpPr/>
-        <p:nvPr/>
-      </p:nvGrpSpPr>
-      <p:grpSpPr>
-        <a:xfrm>
-          <a:off x="0" y="0"/>
-          <a:ext cx="0" cy="0"/>
-          <a:chOff x="0" y="0"/>
-          <a:chExt cx="0" cy="0"/>
-        </a:xfrm>
-      </p:grpSpPr>
-      <p:sp>
-        <p:nvSpPr>
-          <p:cNvPr id="2" name="Заголовок 1">
-            <a:extLst>
-              <a:ext uri="{FF2B5EF4-FFF2-40B4-BE49-F238E27FC236}">
-                <a16:creationId xmlns:a16="http://schemas.microsoft.com/office/drawing/2014/main" id="{95BC488D-502A-3701-DBD3-5C5C0AA59459}"/>
-              </a:ext>
-            </a:extLst>
-          </p:cNvPr>
-          <p:cNvSpPr>
-            <a:spLocks noGrp="1"/>
-          </p:cNvSpPr>
-          <p:nvPr>
-            <p:ph type="title"/>
-          </p:nvPr>
-        </p:nvSpPr>
-        <p:spPr/>
-        <p:txBody>
-          <a:bodyPr/>
-          <a:lstStyle/>
-          <a:p>
-            <a:r>
-              <a:rPr lang="en-US" b="0" i="0" dirty="0">
-                <a:solidFill>
-                  <a:srgbClr val="E6E6E6"/>
-                </a:solidFill>
-                <a:effectLst/>
-                <a:latin typeface="Segoe UI" panose="020B0502040204020203" pitchFamily="34" charset="0"/>
-              </a:rPr>
-              <a:t> </a:t>
-            </a:r>
-            <a:r>
-              <a:rPr lang="en-US" b="1" i="0" dirty="0">
-                <a:solidFill>
-                  <a:srgbClr val="E6E6E6"/>
-                </a:solidFill>
-                <a:effectLst/>
-                <a:latin typeface="Segoe UI" panose="020B0502040204020203" pitchFamily="34" charset="0"/>
-              </a:rPr>
-              <a:t>b</a:t>
-            </a:r>
-            <a:r>
-              <a:rPr lang="en-US" b="0" i="0" dirty="0">
-                <a:solidFill>
-                  <a:srgbClr val="E6E6E6"/>
-                </a:solidFill>
-                <a:effectLst/>
-                <a:latin typeface="Segoe UI" panose="020B0502040204020203" pitchFamily="34" charset="0"/>
-              </a:rPr>
-              <a:t>ulk </a:t>
-            </a:r>
-            <a:r>
-              <a:rPr lang="en-US" b="1" i="0" dirty="0">
-                <a:solidFill>
-                  <a:srgbClr val="E6E6E6"/>
-                </a:solidFill>
-                <a:effectLst/>
-                <a:latin typeface="Segoe UI" panose="020B0502040204020203" pitchFamily="34" charset="0"/>
-              </a:rPr>
-              <a:t>c</a:t>
-            </a:r>
-            <a:r>
-              <a:rPr lang="en-US" b="0" i="0" dirty="0">
-                <a:solidFill>
-                  <a:srgbClr val="E6E6E6"/>
-                </a:solidFill>
-                <a:effectLst/>
-                <a:latin typeface="Segoe UI" panose="020B0502040204020203" pitchFamily="34" charset="0"/>
-              </a:rPr>
-              <a:t>opy </a:t>
-            </a:r>
-            <a:r>
-              <a:rPr lang="en-US" b="1" i="0" dirty="0">
-                <a:solidFill>
-                  <a:srgbClr val="E6E6E6"/>
-                </a:solidFill>
-                <a:effectLst/>
-                <a:latin typeface="Segoe UI" panose="020B0502040204020203" pitchFamily="34" charset="0"/>
-              </a:rPr>
-              <a:t>p</a:t>
-            </a:r>
-            <a:r>
-              <a:rPr lang="en-US" b="0" i="0" dirty="0">
-                <a:solidFill>
-                  <a:srgbClr val="E6E6E6"/>
-                </a:solidFill>
-                <a:effectLst/>
-                <a:latin typeface="Segoe UI" panose="020B0502040204020203" pitchFamily="34" charset="0"/>
-              </a:rPr>
-              <a:t>rogram (</a:t>
-            </a:r>
-            <a:r>
-              <a:rPr lang="en-US" b="1" i="0" dirty="0" err="1">
-                <a:solidFill>
-                  <a:srgbClr val="E6E6E6"/>
-                </a:solidFill>
-                <a:effectLst/>
-                <a:latin typeface="Segoe UI" panose="020B0502040204020203" pitchFamily="34" charset="0"/>
-              </a:rPr>
-              <a:t>bcp</a:t>
-            </a:r>
-            <a:r>
-              <a:rPr lang="en-US" b="1" i="0" dirty="0">
-                <a:solidFill>
-                  <a:srgbClr val="E6E6E6"/>
-                </a:solidFill>
-                <a:effectLst/>
-                <a:latin typeface="Segoe UI" panose="020B0502040204020203" pitchFamily="34" charset="0"/>
-              </a:rPr>
-              <a:t> utility)</a:t>
-            </a:r>
-            <a:endParaRPr lang="ru-RU" dirty="0"/>
-          </a:p>
-        </p:txBody>
-      </p:sp>
-      <p:sp>
-        <p:nvSpPr>
-          <p:cNvPr id="4" name="TextBox 3">
-            <a:extLst>
-              <a:ext uri="{FF2B5EF4-FFF2-40B4-BE49-F238E27FC236}">
-                <a16:creationId xmlns:a16="http://schemas.microsoft.com/office/drawing/2014/main" id="{0A6D1930-BE39-0BE4-7111-32F00A527DCA}"/>
-              </a:ext>
-            </a:extLst>
-          </p:cNvPr>
-          <p:cNvSpPr txBox="1"/>
-          <p:nvPr/>
-        </p:nvSpPr>
-        <p:spPr>
-          <a:xfrm>
-            <a:off x="500550" y="1567208"/>
-            <a:ext cx="8391202" cy="1508105"/>
-          </a:xfrm>
-          <a:prstGeom prst="rect">
-            <a:avLst/>
-          </a:prstGeom>
-          <a:noFill/>
-        </p:spPr>
-        <p:txBody>
-          <a:bodyPr wrap="square">
-            <a:spAutoFit/>
-          </a:bodyPr>
-          <a:lstStyle/>
-          <a:p>
-            <a:r>
-              <a:rPr lang="ru-RU" sz="1800" dirty="0">
-                <a:solidFill>
-                  <a:schemeClr val="bg1"/>
-                </a:solidFill>
-              </a:rPr>
-              <a:t>Утилита программы массового копирования (</a:t>
-            </a:r>
-            <a:r>
-              <a:rPr lang="ru-RU" sz="1800" dirty="0" err="1">
-                <a:solidFill>
-                  <a:schemeClr val="bg1"/>
-                </a:solidFill>
-              </a:rPr>
-              <a:t>bcp</a:t>
-            </a:r>
-            <a:r>
-              <a:rPr lang="ru-RU" sz="1800" dirty="0">
-                <a:solidFill>
-                  <a:schemeClr val="bg1"/>
-                </a:solidFill>
-              </a:rPr>
-              <a:t>) выполняет массовое копирование данных между экземпляром Microsoft SQL Server и файлом данных в указанном пользователем формате.</a:t>
-            </a:r>
-            <a:endParaRPr lang="en-US" sz="1800" dirty="0">
-              <a:solidFill>
-                <a:schemeClr val="bg1"/>
-              </a:solidFill>
-            </a:endParaRPr>
-          </a:p>
-          <a:p>
-            <a:r>
-              <a:rPr lang="en-US" sz="1800" dirty="0">
-                <a:solidFill>
-                  <a:schemeClr val="bg1"/>
-                </a:solidFill>
-                <a:hlinkClick r:id="rId2"/>
-              </a:rPr>
-              <a:t>https://learn.microsoft.com/en-us/sql/tools/bcp-utility?view=sql-server-ver15</a:t>
-            </a:r>
-            <a:endParaRPr lang="en-US" sz="1800" dirty="0">
-              <a:solidFill>
-                <a:schemeClr val="bg1"/>
-              </a:solidFill>
-            </a:endParaRPr>
-          </a:p>
-          <a:p>
-            <a:endParaRPr lang="ru-RU" sz="2000" dirty="0">
-              <a:solidFill>
-                <a:schemeClr val="bg1"/>
-              </a:solidFill>
-            </a:endParaRPr>
-          </a:p>
-        </p:txBody>
-      </p:sp>
-    </p:spTree>
-    <p:extLst>
-      <p:ext uri="{BB962C8B-B14F-4D97-AF65-F5344CB8AC3E}">
-        <p14:creationId xmlns:p14="http://schemas.microsoft.com/office/powerpoint/2010/main" val="2497893849"/>
       </p:ext>
     </p:extLst>
   </p:cSld>
@@ -9231,6 +9331,234 @@
               <a:t> </a:t>
             </a:r>
             <a:r>
+              <a:rPr lang="en-US" b="1" i="0" dirty="0">
+                <a:solidFill>
+                  <a:srgbClr val="E6E6E6"/>
+                </a:solidFill>
+                <a:effectLst/>
+                <a:latin typeface="Segoe UI" panose="020B0502040204020203" pitchFamily="34" charset="0"/>
+              </a:rPr>
+              <a:t>b</a:t>
+            </a:r>
+            <a:r>
+              <a:rPr lang="en-US" b="0" i="0" dirty="0">
+                <a:solidFill>
+                  <a:srgbClr val="E6E6E6"/>
+                </a:solidFill>
+                <a:effectLst/>
+                <a:latin typeface="Segoe UI" panose="020B0502040204020203" pitchFamily="34" charset="0"/>
+              </a:rPr>
+              <a:t>ulk </a:t>
+            </a:r>
+            <a:r>
+              <a:rPr lang="en-US" b="1" i="0" dirty="0">
+                <a:solidFill>
+                  <a:srgbClr val="E6E6E6"/>
+                </a:solidFill>
+                <a:effectLst/>
+                <a:latin typeface="Segoe UI" panose="020B0502040204020203" pitchFamily="34" charset="0"/>
+              </a:rPr>
+              <a:t>c</a:t>
+            </a:r>
+            <a:r>
+              <a:rPr lang="en-US" b="0" i="0" dirty="0">
+                <a:solidFill>
+                  <a:srgbClr val="E6E6E6"/>
+                </a:solidFill>
+                <a:effectLst/>
+                <a:latin typeface="Segoe UI" panose="020B0502040204020203" pitchFamily="34" charset="0"/>
+              </a:rPr>
+              <a:t>opy </a:t>
+            </a:r>
+            <a:r>
+              <a:rPr lang="en-US" b="1" i="0" dirty="0">
+                <a:solidFill>
+                  <a:srgbClr val="E6E6E6"/>
+                </a:solidFill>
+                <a:effectLst/>
+                <a:latin typeface="Segoe UI" panose="020B0502040204020203" pitchFamily="34" charset="0"/>
+              </a:rPr>
+              <a:t>p</a:t>
+            </a:r>
+            <a:r>
+              <a:rPr lang="en-US" b="0" i="0" dirty="0">
+                <a:solidFill>
+                  <a:srgbClr val="E6E6E6"/>
+                </a:solidFill>
+                <a:effectLst/>
+                <a:latin typeface="Segoe UI" panose="020B0502040204020203" pitchFamily="34" charset="0"/>
+              </a:rPr>
+              <a:t>rogram (</a:t>
+            </a:r>
+            <a:r>
+              <a:rPr lang="en-US" b="1" i="0" dirty="0" err="1">
+                <a:solidFill>
+                  <a:srgbClr val="E6E6E6"/>
+                </a:solidFill>
+                <a:effectLst/>
+                <a:latin typeface="Segoe UI" panose="020B0502040204020203" pitchFamily="34" charset="0"/>
+              </a:rPr>
+              <a:t>bcp</a:t>
+            </a:r>
+            <a:r>
+              <a:rPr lang="en-US" b="1" i="0" dirty="0">
+                <a:solidFill>
+                  <a:srgbClr val="E6E6E6"/>
+                </a:solidFill>
+                <a:effectLst/>
+                <a:latin typeface="Segoe UI" panose="020B0502040204020203" pitchFamily="34" charset="0"/>
+              </a:rPr>
+              <a:t> utility)</a:t>
+            </a:r>
+            <a:endParaRPr lang="ru-RU" dirty="0"/>
+          </a:p>
+        </p:txBody>
+      </p:sp>
+      <p:sp>
+        <p:nvSpPr>
+          <p:cNvPr id="4" name="TextBox 3">
+            <a:extLst>
+              <a:ext uri="{FF2B5EF4-FFF2-40B4-BE49-F238E27FC236}">
+                <a16:creationId xmlns:a16="http://schemas.microsoft.com/office/drawing/2014/main" id="{0A6D1930-BE39-0BE4-7111-32F00A527DCA}"/>
+              </a:ext>
+            </a:extLst>
+          </p:cNvPr>
+          <p:cNvSpPr txBox="1"/>
+          <p:nvPr/>
+        </p:nvSpPr>
+        <p:spPr>
+          <a:xfrm>
+            <a:off x="500550" y="1567208"/>
+            <a:ext cx="8391202" cy="1508105"/>
+          </a:xfrm>
+          <a:prstGeom prst="rect">
+            <a:avLst/>
+          </a:prstGeom>
+          <a:noFill/>
+        </p:spPr>
+        <p:txBody>
+          <a:bodyPr wrap="square">
+            <a:spAutoFit/>
+          </a:bodyPr>
+          <a:lstStyle/>
+          <a:p>
+            <a:r>
+              <a:rPr lang="ru-RU" sz="1800" dirty="0">
+                <a:solidFill>
+                  <a:schemeClr val="bg1"/>
+                </a:solidFill>
+              </a:rPr>
+              <a:t>Утилита программы массового копирования (</a:t>
+            </a:r>
+            <a:r>
+              <a:rPr lang="ru-RU" sz="1800" dirty="0" err="1">
+                <a:solidFill>
+                  <a:schemeClr val="bg1"/>
+                </a:solidFill>
+              </a:rPr>
+              <a:t>bcp</a:t>
+            </a:r>
+            <a:r>
+              <a:rPr lang="ru-RU" sz="1800" dirty="0">
+                <a:solidFill>
+                  <a:schemeClr val="bg1"/>
+                </a:solidFill>
+              </a:rPr>
+              <a:t>) выполняет массовое копирование данных между экземпляром Microsoft SQL Server и файлом данных в указанном пользователем формате.</a:t>
+            </a:r>
+            <a:endParaRPr lang="en-US" sz="1800" dirty="0">
+              <a:solidFill>
+                <a:schemeClr val="bg1"/>
+              </a:solidFill>
+            </a:endParaRPr>
+          </a:p>
+          <a:p>
+            <a:r>
+              <a:rPr lang="en-US" sz="1800" dirty="0">
+                <a:solidFill>
+                  <a:schemeClr val="bg1"/>
+                </a:solidFill>
+                <a:hlinkClick r:id="rId2"/>
+              </a:rPr>
+              <a:t>https://learn.microsoft.com/en-us/sql/tools/bcp-utility?view=sql-server-ver15</a:t>
+            </a:r>
+            <a:endParaRPr lang="en-US" sz="1800" dirty="0">
+              <a:solidFill>
+                <a:schemeClr val="bg1"/>
+              </a:solidFill>
+            </a:endParaRPr>
+          </a:p>
+          <a:p>
+            <a:endParaRPr lang="ru-RU" sz="2000" dirty="0">
+              <a:solidFill>
+                <a:schemeClr val="bg1"/>
+              </a:solidFill>
+            </a:endParaRPr>
+          </a:p>
+        </p:txBody>
+      </p:sp>
+    </p:spTree>
+    <p:extLst>
+      <p:ext uri="{BB962C8B-B14F-4D97-AF65-F5344CB8AC3E}">
+        <p14:creationId xmlns:p14="http://schemas.microsoft.com/office/powerpoint/2010/main" val="2497893849"/>
+      </p:ext>
+    </p:extLst>
+  </p:cSld>
+  <p:clrMapOvr>
+    <a:masterClrMapping/>
+  </p:clrMapOvr>
+</p:sld>
+</file>
+
+<file path=ppt/slides/slide25.xml><?xml version="1.0" encoding="utf-8"?>
+<p:sld xmlns:a="http://schemas.openxmlformats.org/drawingml/2006/main" xmlns:r="http://schemas.openxmlformats.org/officeDocument/2006/relationships" xmlns:p="http://schemas.openxmlformats.org/presentationml/2006/main">
+  <p:cSld>
+    <p:spTree>
+      <p:nvGrpSpPr>
+        <p:cNvPr id="1" name=""/>
+        <p:cNvGrpSpPr/>
+        <p:nvPr/>
+      </p:nvGrpSpPr>
+      <p:grpSpPr>
+        <a:xfrm>
+          <a:off x="0" y="0"/>
+          <a:ext cx="0" cy="0"/>
+          <a:chOff x="0" y="0"/>
+          <a:chExt cx="0" cy="0"/>
+        </a:xfrm>
+      </p:grpSpPr>
+      <p:sp>
+        <p:nvSpPr>
+          <p:cNvPr id="2" name="Заголовок 1">
+            <a:extLst>
+              <a:ext uri="{FF2B5EF4-FFF2-40B4-BE49-F238E27FC236}">
+                <a16:creationId xmlns:a16="http://schemas.microsoft.com/office/drawing/2014/main" id="{95BC488D-502A-3701-DBD3-5C5C0AA59459}"/>
+              </a:ext>
+            </a:extLst>
+          </p:cNvPr>
+          <p:cNvSpPr>
+            <a:spLocks noGrp="1"/>
+          </p:cNvSpPr>
+          <p:nvPr>
+            <p:ph type="title"/>
+          </p:nvPr>
+        </p:nvSpPr>
+        <p:spPr/>
+        <p:txBody>
+          <a:bodyPr/>
+          <a:lstStyle/>
+          <a:p>
+            <a:r>
+              <a:rPr lang="en-US" b="0" i="0" dirty="0">
+                <a:solidFill>
+                  <a:srgbClr val="E6E6E6"/>
+                </a:solidFill>
+                <a:effectLst/>
+                <a:latin typeface="Segoe UI" panose="020B0502040204020203" pitchFamily="34" charset="0"/>
+              </a:rPr>
+              <a:t> </a:t>
+            </a:r>
+            <a:r>
               <a:rPr lang="ru-RU" b="1" i="0" dirty="0" err="1">
                 <a:solidFill>
                   <a:srgbClr val="E6E6E6"/>
@@ -9424,7 +9752,7 @@
 </p:sld>
 </file>
 
-<file path=ppt/slides/slide25.xml><?xml version="1.0" encoding="utf-8"?>
+<file path=ppt/slides/slide26.xml><?xml version="1.0" encoding="utf-8"?>
 <p:sld xmlns:a="http://schemas.openxmlformats.org/drawingml/2006/main" xmlns:r="http://schemas.openxmlformats.org/officeDocument/2006/relationships" xmlns:p="http://schemas.openxmlformats.org/presentationml/2006/main">
   <p:cSld>
     <p:spTree>
@@ -9761,7 +10089,7 @@
 </p:sld>
 </file>
 
-<file path=ppt/slides/slide26.xml><?xml version="1.0" encoding="utf-8"?>
+<file path=ppt/slides/slide27.xml><?xml version="1.0" encoding="utf-8"?>
 <p:sld xmlns:a="http://schemas.openxmlformats.org/drawingml/2006/main" xmlns:r="http://schemas.openxmlformats.org/officeDocument/2006/relationships" xmlns:p="http://schemas.openxmlformats.org/presentationml/2006/main">
   <p:cSld>
     <p:spTree>
@@ -10057,7 +10385,7 @@
 </p:sld>
 </file>
 
-<file path=ppt/slides/slide27.xml><?xml version="1.0" encoding="utf-8"?>
+<file path=ppt/slides/slide28.xml><?xml version="1.0" encoding="utf-8"?>
 <p:sld xmlns:a="http://schemas.openxmlformats.org/drawingml/2006/main" xmlns:r="http://schemas.openxmlformats.org/officeDocument/2006/relationships" xmlns:p="http://schemas.openxmlformats.org/presentationml/2006/main">
   <p:cSld>
     <p:spTree>
@@ -10124,7 +10452,7 @@
 </p:sld>
 </file>
 
-<file path=ppt/slides/slide28.xml><?xml version="1.0" encoding="utf-8"?>
+<file path=ppt/slides/slide29.xml><?xml version="1.0" encoding="utf-8"?>
 <p:sld xmlns:a="http://schemas.openxmlformats.org/drawingml/2006/main" xmlns:r="http://schemas.openxmlformats.org/officeDocument/2006/relationships" xmlns:p="http://schemas.openxmlformats.org/presentationml/2006/main">
   <p:cSld>
     <p:spTree>
@@ -10227,264 +10555,6 @@
               <a:t> в чате</a:t>
             </a:r>
             <a:endParaRPr sz="3800" dirty="0"/>
-          </a:p>
-        </p:txBody>
-      </p:sp>
-    </p:spTree>
-  </p:cSld>
-  <p:clrMapOvr>
-    <a:masterClrMapping/>
-  </p:clrMapOvr>
-</p:sld>
-</file>
-
-<file path=ppt/slides/slide29.xml><?xml version="1.0" encoding="utf-8"?>
-<p:sld xmlns:a="http://schemas.openxmlformats.org/drawingml/2006/main" xmlns:r="http://schemas.openxmlformats.org/officeDocument/2006/relationships" xmlns:p="http://schemas.openxmlformats.org/presentationml/2006/main">
-  <p:cSld>
-    <p:spTree>
-      <p:nvGrpSpPr>
-        <p:cNvPr id="1" name="Shape 359"/>
-        <p:cNvGrpSpPr/>
-        <p:nvPr/>
-      </p:nvGrpSpPr>
-      <p:grpSpPr>
-        <a:xfrm>
-          <a:off x="0" y="0"/>
-          <a:ext cx="0" cy="0"/>
-          <a:chOff x="0" y="0"/>
-          <a:chExt cx="0" cy="0"/>
-        </a:xfrm>
-      </p:grpSpPr>
-      <p:sp>
-        <p:nvSpPr>
-          <p:cNvPr id="360" name="Google Shape;360;p50"/>
-          <p:cNvSpPr txBox="1">
-            <a:spLocks noGrp="1"/>
-          </p:cNvSpPr>
-          <p:nvPr>
-            <p:ph type="title"/>
-          </p:nvPr>
-        </p:nvSpPr>
-        <p:spPr>
-          <a:xfrm>
-            <a:off x="500550" y="821221"/>
-            <a:ext cx="8520600" cy="1365000"/>
-          </a:xfrm>
-          <a:prstGeom prst="rect">
-            <a:avLst/>
-          </a:prstGeom>
-        </p:spPr>
-        <p:txBody>
-          <a:bodyPr spcFirstLastPara="1" wrap="square" lIns="91425" tIns="91425" rIns="91425" bIns="91425" anchor="t" anchorCtr="0">
-            <a:noAutofit/>
-          </a:bodyPr>
-          <a:lstStyle/>
-          <a:p>
-            <a:pPr marL="0" lvl="0" indent="0" algn="l" rtl="0">
-              <a:spcBef>
-                <a:spcPts val="0"/>
-              </a:spcBef>
-              <a:spcAft>
-                <a:spcPts val="0"/>
-              </a:spcAft>
-              <a:buNone/>
-            </a:pPr>
-            <a:r>
-              <a:rPr lang="ru" dirty="0"/>
-              <a:t>Приходите на следующие вебинары</a:t>
-            </a:r>
-            <a:endParaRPr dirty="0"/>
-          </a:p>
-        </p:txBody>
-      </p:sp>
-      <p:sp>
-        <p:nvSpPr>
-          <p:cNvPr id="361" name="Google Shape;361;p50"/>
-          <p:cNvSpPr txBox="1">
-            <a:spLocks noGrp="1"/>
-          </p:cNvSpPr>
-          <p:nvPr>
-            <p:ph type="subTitle" idx="1"/>
-          </p:nvPr>
-        </p:nvSpPr>
-        <p:spPr>
-          <a:xfrm>
-            <a:off x="500550" y="457313"/>
-            <a:ext cx="7796700" cy="792600"/>
-          </a:xfrm>
-          <a:prstGeom prst="rect">
-            <a:avLst/>
-          </a:prstGeom>
-        </p:spPr>
-        <p:txBody>
-          <a:bodyPr spcFirstLastPara="1" wrap="square" lIns="91425" tIns="91425" rIns="91425" bIns="91425" anchor="t" anchorCtr="0">
-            <a:normAutofit/>
-          </a:bodyPr>
-          <a:lstStyle/>
-          <a:p>
-            <a:pPr marL="0" lvl="0" indent="0" algn="l" rtl="0">
-              <a:spcBef>
-                <a:spcPts val="0"/>
-              </a:spcBef>
-              <a:spcAft>
-                <a:spcPts val="0"/>
-              </a:spcAft>
-              <a:buNone/>
-            </a:pPr>
-            <a:r>
-              <a:rPr lang="ru"/>
-              <a:t>Спасибо за внимание!</a:t>
-            </a:r>
-            <a:endParaRPr/>
-          </a:p>
-        </p:txBody>
-      </p:sp>
-      <p:sp>
-        <p:nvSpPr>
-          <p:cNvPr id="362" name="Google Shape;362;p50"/>
-          <p:cNvSpPr/>
-          <p:nvPr/>
-        </p:nvSpPr>
-        <p:spPr>
-          <a:xfrm>
-            <a:off x="630000" y="2716325"/>
-            <a:ext cx="1033800" cy="1983600"/>
-          </a:xfrm>
-          <a:prstGeom prst="rect">
-            <a:avLst/>
-          </a:prstGeom>
-          <a:solidFill>
-            <a:schemeClr val="accent4"/>
-          </a:solidFill>
-          <a:ln>
-            <a:noFill/>
-          </a:ln>
-        </p:spPr>
-        <p:txBody>
-          <a:bodyPr spcFirstLastPara="1" wrap="square" lIns="91425" tIns="91425" rIns="91425" bIns="91425" anchor="ctr" anchorCtr="0">
-            <a:noAutofit/>
-          </a:bodyPr>
-          <a:lstStyle/>
-          <a:p>
-            <a:pPr marL="0" lvl="0" indent="0" algn="l" rtl="0">
-              <a:spcBef>
-                <a:spcPts val="0"/>
-              </a:spcBef>
-              <a:spcAft>
-                <a:spcPts val="0"/>
-              </a:spcAft>
-              <a:buNone/>
-            </a:pPr>
-            <a:endParaRPr/>
-          </a:p>
-        </p:txBody>
-      </p:sp>
-      <p:pic>
-        <p:nvPicPr>
-          <p:cNvPr id="363" name="Google Shape;363;p50"/>
-          <p:cNvPicPr preferRelativeResize="0"/>
-          <p:nvPr/>
-        </p:nvPicPr>
-        <p:blipFill>
-          <a:blip r:embed="rId3"/>
-          <a:srcRect t="656" b="656"/>
-          <a:stretch/>
-        </p:blipFill>
-        <p:spPr>
-          <a:xfrm>
-            <a:off x="1069674" y="2971446"/>
-            <a:ext cx="1508400" cy="1488600"/>
-          </a:xfrm>
-          <a:prstGeom prst="ellipse">
-            <a:avLst/>
-          </a:prstGeom>
-          <a:noFill/>
-          <a:ln>
-            <a:noFill/>
-          </a:ln>
-        </p:spPr>
-      </p:pic>
-      <p:sp>
-        <p:nvSpPr>
-          <p:cNvPr id="364" name="Google Shape;364;p50"/>
-          <p:cNvSpPr txBox="1">
-            <a:spLocks noGrp="1"/>
-          </p:cNvSpPr>
-          <p:nvPr>
-            <p:ph type="subTitle" idx="2"/>
-          </p:nvPr>
-        </p:nvSpPr>
-        <p:spPr>
-          <a:xfrm>
-            <a:off x="3135425" y="2978825"/>
-            <a:ext cx="3864600" cy="587400"/>
-          </a:xfrm>
-          <a:prstGeom prst="rect">
-            <a:avLst/>
-          </a:prstGeom>
-        </p:spPr>
-        <p:txBody>
-          <a:bodyPr spcFirstLastPara="1" wrap="square" lIns="91425" tIns="91425" rIns="91425" bIns="91425" anchor="t" anchorCtr="0">
-            <a:normAutofit/>
-          </a:bodyPr>
-          <a:lstStyle/>
-          <a:p>
-            <a:pPr marL="0" lvl="0" indent="0" algn="l" rtl="0">
-              <a:spcBef>
-                <a:spcPts val="0"/>
-              </a:spcBef>
-              <a:spcAft>
-                <a:spcPts val="0"/>
-              </a:spcAft>
-              <a:buNone/>
-            </a:pPr>
-            <a:r>
-              <a:rPr lang="ru" dirty="0"/>
-              <a:t>Васильева Марина</a:t>
-            </a:r>
-            <a:endParaRPr dirty="0"/>
-          </a:p>
-        </p:txBody>
-      </p:sp>
-      <p:sp>
-        <p:nvSpPr>
-          <p:cNvPr id="365" name="Google Shape;365;p50"/>
-          <p:cNvSpPr txBox="1">
-            <a:spLocks noGrp="1"/>
-          </p:cNvSpPr>
-          <p:nvPr>
-            <p:ph type="subTitle" idx="3"/>
-          </p:nvPr>
-        </p:nvSpPr>
-        <p:spPr>
-          <a:xfrm>
-            <a:off x="3135425" y="3278975"/>
-            <a:ext cx="5550600" cy="792600"/>
-          </a:xfrm>
-          <a:prstGeom prst="rect">
-            <a:avLst/>
-          </a:prstGeom>
-        </p:spPr>
-        <p:txBody>
-          <a:bodyPr spcFirstLastPara="1" wrap="square" lIns="91425" tIns="91425" rIns="91425" bIns="91425" anchor="t" anchorCtr="0">
-            <a:normAutofit/>
-          </a:bodyPr>
-          <a:lstStyle/>
-          <a:p>
-            <a:pPr marL="0" lvl="0" indent="0" algn="l" rtl="0">
-              <a:spcBef>
-                <a:spcPts val="0"/>
-              </a:spcBef>
-              <a:spcAft>
-                <a:spcPts val="0"/>
-              </a:spcAft>
-              <a:buNone/>
-            </a:pPr>
-            <a:r>
-              <a:rPr lang="ru" dirty="0"/>
-              <a:t>Доцент кафедры «Управление и защита информации» РУТ (МИИТ)</a:t>
-            </a:r>
-            <a:endParaRPr dirty="0"/>
           </a:p>
         </p:txBody>
       </p:sp>
@@ -10691,8 +10761,8 @@
         </p:nvSpPr>
         <p:spPr>
           <a:xfrm>
-            <a:off x="3135425" y="2978825"/>
-            <a:ext cx="5253300" cy="1721100"/>
+            <a:off x="3135425" y="2978824"/>
+            <a:ext cx="5253300" cy="1983599"/>
           </a:xfrm>
           <a:prstGeom prst="rect">
             <a:avLst/>
@@ -10824,6 +10894,50 @@
             <a:r>
               <a:rPr lang="en-US" sz="1250" b="0" dirty="0"/>
               <a:t>             @MarinaPaley</a:t>
+            </a:r>
+          </a:p>
+          <a:p>
+            <a:pPr marL="0" lvl="0" indent="0" algn="l" rtl="0">
+              <a:spcBef>
+                <a:spcPts val="0"/>
+              </a:spcBef>
+              <a:spcAft>
+                <a:spcPts val="0"/>
+              </a:spcAft>
+              <a:buClr>
+                <a:schemeClr val="dk1"/>
+              </a:buClr>
+              <a:buSzPts val="1100"/>
+              <a:buFont typeface="Arial"/>
+              <a:buNone/>
+            </a:pPr>
+            <a:r>
+              <a:rPr lang="en-US" sz="1250" b="0" dirty="0"/>
+              <a:t>                     </a:t>
+            </a:r>
+          </a:p>
+          <a:p>
+            <a:pPr marL="0" lvl="0" indent="0" algn="l" rtl="0">
+              <a:spcBef>
+                <a:spcPts val="0"/>
+              </a:spcBef>
+              <a:spcAft>
+                <a:spcPts val="0"/>
+              </a:spcAft>
+              <a:buClr>
+                <a:schemeClr val="dk1"/>
+              </a:buClr>
+              <a:buSzPts val="1100"/>
+              <a:buFont typeface="Arial"/>
+              <a:buNone/>
+            </a:pPr>
+            <a:r>
+              <a:rPr lang="en-US" sz="1250" b="0" dirty="0"/>
+              <a:t>               </a:t>
+            </a:r>
+            <a:r>
+              <a:rPr lang="en-US" sz="1250" b="0" dirty="0" err="1"/>
+              <a:t>MarinaPaley</a:t>
             </a:r>
             <a:endParaRPr lang="ru-RU" sz="1250" b="0" dirty="0"/>
           </a:p>
@@ -10921,6 +11035,294 @@
           </a:ln>
         </p:spPr>
       </p:pic>
+      <p:pic>
+        <p:nvPicPr>
+          <p:cNvPr id="3" name="Рисунок 2" descr="Изображение выглядит как графическая вставка, символ, силуэт&#10;&#10;Автоматически созданное описание">
+            <a:extLst>
+              <a:ext uri="{FF2B5EF4-FFF2-40B4-BE49-F238E27FC236}">
+                <a16:creationId xmlns:a16="http://schemas.microsoft.com/office/drawing/2014/main" id="{9A0FC3E9-C0EE-07BC-209B-30D92AFCAF96}"/>
+              </a:ext>
+            </a:extLst>
+          </p:cNvPr>
+          <p:cNvPicPr>
+            <a:picLocks noChangeAspect="1"/>
+          </p:cNvPicPr>
+          <p:nvPr/>
+        </p:nvPicPr>
+        <p:blipFill>
+          <a:blip r:embed="rId5"/>
+          <a:stretch>
+            <a:fillRect/>
+          </a:stretch>
+        </p:blipFill>
+        <p:spPr>
+          <a:xfrm>
+            <a:off x="3356946" y="4509437"/>
+            <a:ext cx="303612" cy="285753"/>
+          </a:xfrm>
+          <a:prstGeom prst="rect">
+            <a:avLst/>
+          </a:prstGeom>
+        </p:spPr>
+      </p:pic>
+    </p:spTree>
+  </p:cSld>
+  <p:clrMapOvr>
+    <a:masterClrMapping/>
+  </p:clrMapOvr>
+</p:sld>
+</file>
+
+<file path=ppt/slides/slide30.xml><?xml version="1.0" encoding="utf-8"?>
+<p:sld xmlns:a="http://schemas.openxmlformats.org/drawingml/2006/main" xmlns:r="http://schemas.openxmlformats.org/officeDocument/2006/relationships" xmlns:p="http://schemas.openxmlformats.org/presentationml/2006/main">
+  <p:cSld>
+    <p:spTree>
+      <p:nvGrpSpPr>
+        <p:cNvPr id="1" name="Shape 359"/>
+        <p:cNvGrpSpPr/>
+        <p:nvPr/>
+      </p:nvGrpSpPr>
+      <p:grpSpPr>
+        <a:xfrm>
+          <a:off x="0" y="0"/>
+          <a:ext cx="0" cy="0"/>
+          <a:chOff x="0" y="0"/>
+          <a:chExt cx="0" cy="0"/>
+        </a:xfrm>
+      </p:grpSpPr>
+      <p:sp>
+        <p:nvSpPr>
+          <p:cNvPr id="360" name="Google Shape;360;p50"/>
+          <p:cNvSpPr txBox="1">
+            <a:spLocks noGrp="1"/>
+          </p:cNvSpPr>
+          <p:nvPr>
+            <p:ph type="title"/>
+          </p:nvPr>
+        </p:nvSpPr>
+        <p:spPr>
+          <a:xfrm>
+            <a:off x="500550" y="821221"/>
+            <a:ext cx="8520600" cy="1365000"/>
+          </a:xfrm>
+          <a:prstGeom prst="rect">
+            <a:avLst/>
+          </a:prstGeom>
+        </p:spPr>
+        <p:txBody>
+          <a:bodyPr spcFirstLastPara="1" wrap="square" lIns="91425" tIns="91425" rIns="91425" bIns="91425" anchor="t" anchorCtr="0">
+            <a:noAutofit/>
+          </a:bodyPr>
+          <a:lstStyle/>
+          <a:p>
+            <a:pPr marL="0" lvl="0" indent="0" algn="l" rtl="0">
+              <a:spcBef>
+                <a:spcPts val="0"/>
+              </a:spcBef>
+              <a:spcAft>
+                <a:spcPts val="0"/>
+              </a:spcAft>
+              <a:buNone/>
+            </a:pPr>
+            <a:r>
+              <a:rPr lang="ru" dirty="0"/>
+              <a:t>Приходите на следующие вебинары</a:t>
+            </a:r>
+            <a:endParaRPr dirty="0"/>
+          </a:p>
+        </p:txBody>
+      </p:sp>
+      <p:sp>
+        <p:nvSpPr>
+          <p:cNvPr id="361" name="Google Shape;361;p50"/>
+          <p:cNvSpPr txBox="1">
+            <a:spLocks noGrp="1"/>
+          </p:cNvSpPr>
+          <p:nvPr>
+            <p:ph type="subTitle" idx="1"/>
+          </p:nvPr>
+        </p:nvSpPr>
+        <p:spPr>
+          <a:xfrm>
+            <a:off x="500550" y="457313"/>
+            <a:ext cx="7796700" cy="792600"/>
+          </a:xfrm>
+          <a:prstGeom prst="rect">
+            <a:avLst/>
+          </a:prstGeom>
+        </p:spPr>
+        <p:txBody>
+          <a:bodyPr spcFirstLastPara="1" wrap="square" lIns="91425" tIns="91425" rIns="91425" bIns="91425" anchor="t" anchorCtr="0">
+            <a:normAutofit/>
+          </a:bodyPr>
+          <a:lstStyle/>
+          <a:p>
+            <a:pPr marL="0" lvl="0" indent="0" algn="l" rtl="0">
+              <a:spcBef>
+                <a:spcPts val="0"/>
+              </a:spcBef>
+              <a:spcAft>
+                <a:spcPts val="0"/>
+              </a:spcAft>
+              <a:buNone/>
+            </a:pPr>
+            <a:r>
+              <a:rPr lang="ru"/>
+              <a:t>Спасибо за внимание!</a:t>
+            </a:r>
+            <a:endParaRPr/>
+          </a:p>
+        </p:txBody>
+      </p:sp>
+      <p:sp>
+        <p:nvSpPr>
+          <p:cNvPr id="362" name="Google Shape;362;p50"/>
+          <p:cNvSpPr/>
+          <p:nvPr/>
+        </p:nvSpPr>
+        <p:spPr>
+          <a:xfrm>
+            <a:off x="630000" y="2716325"/>
+            <a:ext cx="1033800" cy="1983600"/>
+          </a:xfrm>
+          <a:prstGeom prst="rect">
+            <a:avLst/>
+          </a:prstGeom>
+          <a:solidFill>
+            <a:schemeClr val="accent4"/>
+          </a:solidFill>
+          <a:ln>
+            <a:noFill/>
+          </a:ln>
+        </p:spPr>
+        <p:txBody>
+          <a:bodyPr spcFirstLastPara="1" wrap="square" lIns="91425" tIns="91425" rIns="91425" bIns="91425" anchor="ctr" anchorCtr="0">
+            <a:noAutofit/>
+          </a:bodyPr>
+          <a:lstStyle/>
+          <a:p>
+            <a:pPr marL="0" lvl="0" indent="0" algn="l" rtl="0">
+              <a:spcBef>
+                <a:spcPts val="0"/>
+              </a:spcBef>
+              <a:spcAft>
+                <a:spcPts val="0"/>
+              </a:spcAft>
+              <a:buNone/>
+            </a:pPr>
+            <a:endParaRPr/>
+          </a:p>
+        </p:txBody>
+      </p:sp>
+      <p:pic>
+        <p:nvPicPr>
+          <p:cNvPr id="363" name="Google Shape;363;p50"/>
+          <p:cNvPicPr preferRelativeResize="0"/>
+          <p:nvPr/>
+        </p:nvPicPr>
+        <p:blipFill>
+          <a:blip r:embed="rId3"/>
+          <a:srcRect t="656" b="656"/>
+          <a:stretch/>
+        </p:blipFill>
+        <p:spPr>
+          <a:xfrm>
+            <a:off x="1069674" y="2971446"/>
+            <a:ext cx="1508400" cy="1488600"/>
+          </a:xfrm>
+          <a:prstGeom prst="ellipse">
+            <a:avLst/>
+          </a:prstGeom>
+          <a:noFill/>
+          <a:ln>
+            <a:noFill/>
+          </a:ln>
+        </p:spPr>
+      </p:pic>
+      <p:sp>
+        <p:nvSpPr>
+          <p:cNvPr id="364" name="Google Shape;364;p50"/>
+          <p:cNvSpPr txBox="1">
+            <a:spLocks noGrp="1"/>
+          </p:cNvSpPr>
+          <p:nvPr>
+            <p:ph type="subTitle" idx="2"/>
+          </p:nvPr>
+        </p:nvSpPr>
+        <p:spPr>
+          <a:xfrm>
+            <a:off x="3135425" y="2978825"/>
+            <a:ext cx="3864600" cy="587400"/>
+          </a:xfrm>
+          <a:prstGeom prst="rect">
+            <a:avLst/>
+          </a:prstGeom>
+        </p:spPr>
+        <p:txBody>
+          <a:bodyPr spcFirstLastPara="1" wrap="square" lIns="91425" tIns="91425" rIns="91425" bIns="91425" anchor="t" anchorCtr="0">
+            <a:normAutofit/>
+          </a:bodyPr>
+          <a:lstStyle/>
+          <a:p>
+            <a:pPr marL="0" lvl="0" indent="0" algn="l" rtl="0">
+              <a:spcBef>
+                <a:spcPts val="0"/>
+              </a:spcBef>
+              <a:spcAft>
+                <a:spcPts val="0"/>
+              </a:spcAft>
+              <a:buNone/>
+            </a:pPr>
+            <a:r>
+              <a:rPr lang="ru" dirty="0"/>
+              <a:t>Васильева Марина</a:t>
+            </a:r>
+            <a:endParaRPr dirty="0"/>
+          </a:p>
+        </p:txBody>
+      </p:sp>
+      <p:sp>
+        <p:nvSpPr>
+          <p:cNvPr id="365" name="Google Shape;365;p50"/>
+          <p:cNvSpPr txBox="1">
+            <a:spLocks noGrp="1"/>
+          </p:cNvSpPr>
+          <p:nvPr>
+            <p:ph type="subTitle" idx="3"/>
+          </p:nvPr>
+        </p:nvSpPr>
+        <p:spPr>
+          <a:xfrm>
+            <a:off x="3135425" y="3278975"/>
+            <a:ext cx="5550600" cy="792600"/>
+          </a:xfrm>
+          <a:prstGeom prst="rect">
+            <a:avLst/>
+          </a:prstGeom>
+        </p:spPr>
+        <p:txBody>
+          <a:bodyPr spcFirstLastPara="1" wrap="square" lIns="91425" tIns="91425" rIns="91425" bIns="91425" anchor="t" anchorCtr="0">
+            <a:normAutofit/>
+          </a:bodyPr>
+          <a:lstStyle/>
+          <a:p>
+            <a:pPr marL="0" lvl="0" indent="0" algn="l" rtl="0">
+              <a:spcBef>
+                <a:spcPts val="0"/>
+              </a:spcBef>
+              <a:spcAft>
+                <a:spcPts val="0"/>
+              </a:spcAft>
+              <a:buNone/>
+            </a:pPr>
+            <a:r>
+              <a:rPr lang="ru" dirty="0"/>
+              <a:t>Доцент кафедры «Управление и защита информации» РУТ (МИИТ)</a:t>
+            </a:r>
+            <a:endParaRPr dirty="0"/>
+          </a:p>
+        </p:txBody>
+      </p:sp>
     </p:spTree>
   </p:cSld>
   <p:clrMapOvr>
@@ -11840,7 +12242,7 @@
                 <a:latin typeface="Courier New" panose="02070309020205020404" pitchFamily="49" charset="0"/>
                 <a:cs typeface="Courier New" panose="02070309020205020404" pitchFamily="49" charset="0"/>
               </a:rPr>
-              <a:t>(Field1, ...,</a:t>
+              <a:t>(Field1, ..., </a:t>
             </a:r>
             <a:r>
               <a:rPr lang="en-US" sz="2000" dirty="0" err="1">
@@ -12051,7 +12453,7 @@
         <p:spPr>
           <a:xfrm>
             <a:off x="415158" y="1232564"/>
-            <a:ext cx="7551683" cy="2120068"/>
+            <a:ext cx="7551683" cy="1704569"/>
           </a:xfrm>
           <a:prstGeom prst="rect">
             <a:avLst/>
@@ -12063,48 +12465,6 @@
             <a:spAutoFit/>
           </a:bodyPr>
           <a:lstStyle/>
-          <a:p>
-            <a:pPr indent="269875" algn="just">
-              <a:lnSpc>
-                <a:spcPct val="150000"/>
-              </a:lnSpc>
-            </a:pPr>
-            <a:r>
-              <a:rPr lang="ru-RU" sz="1800" dirty="0">
-                <a:solidFill>
-                  <a:schemeClr val="bg1"/>
-                </a:solidFill>
-                <a:effectLst/>
-                <a:latin typeface="Times New Roman" panose="02020603050405020304" pitchFamily="18" charset="0"/>
-                <a:ea typeface="Calibri" panose="020F0502020204030204" pitchFamily="34" charset="0"/>
-                <a:cs typeface="Times New Roman" panose="02020603050405020304" pitchFamily="18" charset="0"/>
-              </a:rPr>
-              <a:t>Ограничение на количество выполнений оператора </a:t>
-            </a:r>
-            <a:r>
-              <a:rPr lang="en-US" sz="1800" dirty="0">
-                <a:solidFill>
-                  <a:schemeClr val="bg1"/>
-                </a:solidFill>
-                <a:effectLst/>
-                <a:latin typeface="Courier New" panose="02070309020205020404" pitchFamily="49" charset="0"/>
-                <a:ea typeface="Calibri" panose="020F0502020204030204" pitchFamily="34" charset="0"/>
-                <a:cs typeface="Times New Roman" panose="02020603050405020304" pitchFamily="18" charset="0"/>
-              </a:rPr>
-              <a:t>INSERT</a:t>
-            </a:r>
-            <a:r>
-              <a:rPr lang="ru-RU" sz="1800" dirty="0">
-                <a:solidFill>
-                  <a:schemeClr val="bg1"/>
-                </a:solidFill>
-                <a:latin typeface="+mn-lt"/>
-                <a:ea typeface="Calibri" panose="020F0502020204030204" pitchFamily="34" charset="0"/>
-                <a:cs typeface="Times New Roman" panose="02020603050405020304" pitchFamily="18" charset="0"/>
-              </a:rPr>
-              <a:t>.</a:t>
-            </a:r>
-          </a:p>
           <a:p>
             <a:pPr indent="269875" algn="just">
               <a:lnSpc>
@@ -12307,7 +12667,7 @@
         <p:spPr>
           <a:xfrm>
             <a:off x="415158" y="1232564"/>
-            <a:ext cx="7551683" cy="1704569"/>
+            <a:ext cx="7551683" cy="1289071"/>
           </a:xfrm>
           <a:prstGeom prst="rect">
             <a:avLst/>
@@ -12326,85 +12686,15 @@
               </a:lnSpc>
             </a:pPr>
             <a:r>
-              <a:rPr lang="ru-RU" sz="1800" dirty="0">
-                <a:solidFill>
-                  <a:schemeClr val="bg1"/>
-                </a:solidFill>
-                <a:effectLst/>
+              <a:rPr lang="en-US" sz="1800" dirty="0">
+                <a:solidFill>
+                  <a:schemeClr val="bg1"/>
+                </a:solidFill>
                 <a:latin typeface="Times New Roman" panose="02020603050405020304" pitchFamily="18" charset="0"/>
-                <a:ea typeface="Calibri" panose="020F0502020204030204" pitchFamily="34" charset="0"/>
                 <a:cs typeface="Times New Roman" panose="02020603050405020304" pitchFamily="18" charset="0"/>
               </a:rPr>
-              <a:t>Инструкция INSERT INTO SELECT копирует данные из одной таблицы и вставляет их в другую таблицу</a:t>
-            </a:r>
-            <a:r>
-              <a:rPr lang="en-US" sz="1800" dirty="0">
-                <a:solidFill>
-                  <a:schemeClr val="bg1"/>
-                </a:solidFill>
-                <a:effectLst/>
-                <a:latin typeface="Times New Roman" panose="02020603050405020304" pitchFamily="18" charset="0"/>
-                <a:ea typeface="Calibri" panose="020F0502020204030204" pitchFamily="34" charset="0"/>
-                <a:cs typeface="Times New Roman" panose="02020603050405020304" pitchFamily="18" charset="0"/>
-              </a:rPr>
-              <a:t> (</a:t>
-            </a:r>
-            <a:r>
-              <a:rPr lang="ru-RU" sz="1800" dirty="0">
-                <a:solidFill>
-                  <a:schemeClr val="bg1"/>
-                </a:solidFill>
-                <a:effectLst/>
-                <a:latin typeface="Times New Roman" panose="02020603050405020304" pitchFamily="18" charset="0"/>
-                <a:ea typeface="Calibri" panose="020F0502020204030204" pitchFamily="34" charset="0"/>
-                <a:cs typeface="Times New Roman" panose="02020603050405020304" pitchFamily="18" charset="0"/>
-              </a:rPr>
-              <a:t>типы данных в исходной и целевой таблицах совпада</a:t>
-            </a:r>
-            <a:r>
-              <a:rPr lang="ru-RU" sz="1800" dirty="0">
-                <a:solidFill>
-                  <a:schemeClr val="bg1"/>
-                </a:solidFill>
-                <a:latin typeface="Times New Roman" panose="02020603050405020304" pitchFamily="18" charset="0"/>
-                <a:ea typeface="Calibri" panose="020F0502020204030204" pitchFamily="34" charset="0"/>
-                <a:cs typeface="Times New Roman" panose="02020603050405020304" pitchFamily="18" charset="0"/>
-              </a:rPr>
-              <a:t>ют</a:t>
-            </a:r>
-            <a:r>
-              <a:rPr lang="en-US" sz="1800" dirty="0">
-                <a:solidFill>
-                  <a:schemeClr val="bg1"/>
-                </a:solidFill>
-                <a:effectLst/>
-                <a:latin typeface="Times New Roman" panose="02020603050405020304" pitchFamily="18" charset="0"/>
-                <a:ea typeface="Calibri" panose="020F0502020204030204" pitchFamily="34" charset="0"/>
-                <a:cs typeface="Times New Roman" panose="02020603050405020304" pitchFamily="18" charset="0"/>
-              </a:rPr>
-              <a:t>)</a:t>
-            </a:r>
-            <a:r>
-              <a:rPr lang="ru-RU" sz="1800" dirty="0">
-                <a:solidFill>
-                  <a:schemeClr val="bg1"/>
-                </a:solidFill>
-                <a:effectLst/>
-                <a:latin typeface="Times New Roman" panose="02020603050405020304" pitchFamily="18" charset="0"/>
-                <a:ea typeface="Calibri" panose="020F0502020204030204" pitchFamily="34" charset="0"/>
-                <a:cs typeface="Times New Roman" panose="02020603050405020304" pitchFamily="18" charset="0"/>
-              </a:rPr>
-              <a:t>.</a:t>
-            </a:r>
-            <a:endParaRPr lang="en-US" sz="1800" dirty="0">
-              <a:solidFill>
-                <a:schemeClr val="bg1"/>
-              </a:solidFill>
-              <a:effectLst/>
-              <a:latin typeface="Times New Roman" panose="02020603050405020304" pitchFamily="18" charset="0"/>
-              <a:ea typeface="Calibri" panose="020F0502020204030204" pitchFamily="34" charset="0"/>
-              <a:cs typeface="Times New Roman" panose="02020603050405020304" pitchFamily="18" charset="0"/>
-            </a:endParaRPr>
+              <a:t>SELECT  (Field1, Field2, ...) INTO Copies FROM Originals;</a:t>
+            </a:r>
           </a:p>
           <a:p>
             <a:pPr indent="269875" algn="just">
@@ -12413,158 +12703,39 @@
               </a:lnSpc>
             </a:pPr>
             <a:r>
-              <a:rPr lang="ru-RU" sz="1800" dirty="0">
-                <a:solidFill>
-                  <a:schemeClr val="bg1"/>
-                </a:solidFill>
-                <a:effectLst/>
+              <a:rPr lang="en-US" sz="1800" dirty="0">
+                <a:solidFill>
+                  <a:schemeClr val="bg1"/>
+                </a:solidFill>
                 <a:latin typeface="Times New Roman" panose="02020603050405020304" pitchFamily="18" charset="0"/>
-                <a:ea typeface="Calibri" panose="020F0502020204030204" pitchFamily="34" charset="0"/>
                 <a:cs typeface="Times New Roman" panose="02020603050405020304" pitchFamily="18" charset="0"/>
               </a:rPr>
-              <a:t>Копирование всех столбцов из одной таблицы в другую:</a:t>
-            </a:r>
-          </a:p>
-        </p:txBody>
-      </p:sp>
-      <p:sp>
-        <p:nvSpPr>
-          <p:cNvPr id="6" name="TextBox 5">
-            <a:extLst>
-              <a:ext uri="{FF2B5EF4-FFF2-40B4-BE49-F238E27FC236}">
-                <a16:creationId xmlns:a16="http://schemas.microsoft.com/office/drawing/2014/main" id="{A12643E9-FB83-0720-3C0C-C96B858DF29F}"/>
-              </a:ext>
-            </a:extLst>
-          </p:cNvPr>
-          <p:cNvSpPr txBox="1"/>
-          <p:nvPr/>
-        </p:nvSpPr>
-        <p:spPr>
-          <a:xfrm>
-            <a:off x="500550" y="3238808"/>
-            <a:ext cx="4766440" cy="1200329"/>
-          </a:xfrm>
-          <a:prstGeom prst="rect">
-            <a:avLst/>
-          </a:prstGeom>
-          <a:noFill/>
-        </p:spPr>
-        <p:txBody>
-          <a:bodyPr wrap="square">
-            <a:spAutoFit/>
-          </a:bodyPr>
-          <a:lstStyle/>
-          <a:p>
-            <a:r>
-              <a:rPr lang="en-US" sz="2400" b="0" i="0" dirty="0">
-                <a:solidFill>
-                  <a:schemeClr val="bg1"/>
-                </a:solidFill>
-                <a:effectLst/>
-                <a:latin typeface="Courier New" panose="02070309020205020404" pitchFamily="49" charset="0"/>
-                <a:cs typeface="Courier New" panose="02070309020205020404" pitchFamily="49" charset="0"/>
-              </a:rPr>
-              <a:t>INSERT INTO </a:t>
-            </a:r>
-            <a:r>
-              <a:rPr lang="en-US" sz="2400" b="0" i="1" dirty="0">
-                <a:solidFill>
-                  <a:schemeClr val="bg1"/>
-                </a:solidFill>
-                <a:effectLst/>
-                <a:latin typeface="Courier New" panose="02070309020205020404" pitchFamily="49" charset="0"/>
-                <a:cs typeface="Courier New" panose="02070309020205020404" pitchFamily="49" charset="0"/>
-              </a:rPr>
-              <a:t>table2</a:t>
-            </a:r>
-            <a:br>
-              <a:rPr lang="en-US" sz="2400" dirty="0">
-                <a:solidFill>
-                  <a:schemeClr val="bg1"/>
-                </a:solidFill>
-                <a:latin typeface="Courier New" panose="02070309020205020404" pitchFamily="49" charset="0"/>
-                <a:cs typeface="Courier New" panose="02070309020205020404" pitchFamily="49" charset="0"/>
-              </a:rPr>
-            </a:br>
-            <a:r>
-              <a:rPr lang="en-US" sz="2400" b="0" i="0" dirty="0">
-                <a:solidFill>
-                  <a:schemeClr val="bg1"/>
-                </a:solidFill>
-                <a:effectLst/>
-                <a:latin typeface="Courier New" panose="02070309020205020404" pitchFamily="49" charset="0"/>
-                <a:cs typeface="Courier New" panose="02070309020205020404" pitchFamily="49" charset="0"/>
-              </a:rPr>
-              <a:t>SELECT * FROM </a:t>
-            </a:r>
-            <a:r>
-              <a:rPr lang="en-US" sz="2400" b="0" i="1" dirty="0">
-                <a:solidFill>
-                  <a:schemeClr val="bg1"/>
-                </a:solidFill>
-                <a:effectLst/>
-                <a:latin typeface="Courier New" panose="02070309020205020404" pitchFamily="49" charset="0"/>
-                <a:cs typeface="Courier New" panose="02070309020205020404" pitchFamily="49" charset="0"/>
-              </a:rPr>
-              <a:t>table1</a:t>
-            </a:r>
-            <a:br>
-              <a:rPr lang="en-US" sz="2400" b="0" i="1" dirty="0">
-                <a:solidFill>
-                  <a:schemeClr val="bg1"/>
-                </a:solidFill>
-                <a:effectLst/>
-                <a:latin typeface="Courier New" panose="02070309020205020404" pitchFamily="49" charset="0"/>
-                <a:cs typeface="Courier New" panose="02070309020205020404" pitchFamily="49" charset="0"/>
-              </a:rPr>
-            </a:br>
-            <a:r>
-              <a:rPr lang="en-US" sz="2400" b="0" i="0" dirty="0">
-                <a:solidFill>
-                  <a:schemeClr val="bg1"/>
-                </a:solidFill>
-                <a:effectLst/>
-                <a:latin typeface="Courier New" panose="02070309020205020404" pitchFamily="49" charset="0"/>
-                <a:cs typeface="Courier New" panose="02070309020205020404" pitchFamily="49" charset="0"/>
-              </a:rPr>
-              <a:t>WHERE </a:t>
-            </a:r>
-            <a:r>
-              <a:rPr lang="en-US" sz="2400" b="0" i="1" dirty="0">
-                <a:solidFill>
-                  <a:schemeClr val="bg1"/>
-                </a:solidFill>
-                <a:effectLst/>
-                <a:latin typeface="Courier New" panose="02070309020205020404" pitchFamily="49" charset="0"/>
-                <a:cs typeface="Courier New" panose="02070309020205020404" pitchFamily="49" charset="0"/>
-              </a:rPr>
-              <a:t>condition</a:t>
-            </a:r>
-            <a:r>
-              <a:rPr lang="en-US" sz="2400" b="0" i="0" dirty="0">
-                <a:solidFill>
-                  <a:schemeClr val="bg1"/>
-                </a:solidFill>
-                <a:effectLst/>
-                <a:latin typeface="Courier New" panose="02070309020205020404" pitchFamily="49" charset="0"/>
-                <a:cs typeface="Courier New" panose="02070309020205020404" pitchFamily="49" charset="0"/>
-              </a:rPr>
-              <a:t>;</a:t>
-            </a:r>
-            <a:endParaRPr lang="en-US" sz="2400" dirty="0">
-              <a:solidFill>
-                <a:schemeClr val="bg1"/>
-              </a:solidFill>
-              <a:latin typeface="Courier New" panose="02070309020205020404" pitchFamily="49" charset="0"/>
-              <a:cs typeface="Courier New" panose="02070309020205020404" pitchFamily="49" charset="0"/>
-            </a:endParaRPr>
+              <a:t>SELECT  TOP(N) ...INTO...</a:t>
+            </a:r>
+          </a:p>
+          <a:p>
+            <a:pPr indent="269875" algn="just">
+              <a:lnSpc>
+                <a:spcPct val="150000"/>
+              </a:lnSpc>
+            </a:pPr>
+            <a:r>
+              <a:rPr lang="en-US" sz="1800" dirty="0">
+                <a:solidFill>
+                  <a:schemeClr val="bg1"/>
+                </a:solidFill>
+                <a:latin typeface="Times New Roman" panose="02020603050405020304" pitchFamily="18" charset="0"/>
+                <a:cs typeface="Times New Roman" panose="02020603050405020304" pitchFamily="18" charset="0"/>
+              </a:rPr>
+              <a:t>SELECT .. INTO.. WHERE...</a:t>
+            </a:r>
           </a:p>
         </p:txBody>
       </p:sp>
     </p:spTree>
     <p:extLst>
       <p:ext uri="{BB962C8B-B14F-4D97-AF65-F5344CB8AC3E}">
-        <p14:creationId xmlns:p14="http://schemas.microsoft.com/office/powerpoint/2010/main" val="175812508"/>
+        <p14:creationId xmlns:p14="http://schemas.microsoft.com/office/powerpoint/2010/main" val="2408128416"/>
       </p:ext>
     </p:extLst>
   </p:cSld>
